--- a/GPS auf Rädern.pptx
+++ b/GPS auf Rädern.pptx
@@ -5,7 +5,7 @@
     <p:sldMasterId id="2147483684" r:id="rId1"/>
   </p:sldMasterIdLst>
   <p:notesMasterIdLst>
-    <p:notesMasterId r:id="rId22"/>
+    <p:notesMasterId r:id="rId23"/>
   </p:notesMasterIdLst>
   <p:sldIdLst>
     <p:sldId id="256" r:id="rId2"/>
@@ -23,11 +23,12 @@
     <p:sldId id="268" r:id="rId14"/>
     <p:sldId id="269" r:id="rId15"/>
     <p:sldId id="271" r:id="rId16"/>
-    <p:sldId id="272" r:id="rId17"/>
-    <p:sldId id="273" r:id="rId18"/>
-    <p:sldId id="275" r:id="rId19"/>
-    <p:sldId id="276" r:id="rId20"/>
-    <p:sldId id="277" r:id="rId21"/>
+    <p:sldId id="278" r:id="rId17"/>
+    <p:sldId id="272" r:id="rId18"/>
+    <p:sldId id="273" r:id="rId19"/>
+    <p:sldId id="275" r:id="rId20"/>
+    <p:sldId id="276" r:id="rId21"/>
+    <p:sldId id="277" r:id="rId22"/>
   </p:sldIdLst>
   <p:sldSz cx="9144000" cy="6858000" type="screen4x3"/>
   <p:notesSz cx="6858000" cy="9144000"/>
@@ -211,7 +212,7 @@
           <a:p>
             <a:fld id="{4738F50F-2F8D-4139-8A8F-A2E8B7C7F0FF}" type="datetimeFigureOut">
               <a:rPr lang="de-DE" smtClean="0"/>
-              <a:t>12.04.2015</a:t>
+              <a:t>15-04-13</a:t>
             </a:fld>
             <a:endParaRPr lang="de-DE"/>
           </a:p>
@@ -372,13 +373,18 @@
           <a:p>
             <a:fld id="{3C1F6DE6-85C7-4B7B-9736-3E2B9216E239}" type="slidenum">
               <a:rPr lang="de-DE" smtClean="0"/>
-              <a:t>‹Nr.›</a:t>
+              <a:t>‹#›</a:t>
             </a:fld>
             <a:endParaRPr lang="de-DE"/>
           </a:p>
         </p:txBody>
       </p:sp>
     </p:spTree>
+    <p:extLst>
+      <p:ext uri="{BB962C8B-B14F-4D97-AF65-F5344CB8AC3E}">
+        <p14:creationId xmlns:p14="http://schemas.microsoft.com/office/powerpoint/2010/main" val="3871507541"/>
+      </p:ext>
+    </p:extLst>
   </p:cSld>
   <p:clrMap bg1="lt1" tx1="dk1" bg2="lt2" tx2="dk2" accent1="accent1" accent2="accent2" accent3="accent3" accent4="accent4" accent5="accent5" accent6="accent6" hlink="hlink" folHlink="folHlink"/>
   <p:notesStyle>
@@ -724,7 +730,7 @@
           <a:p>
             <a:fld id="{34CC48B3-263B-47F8-9D78-1B0D549FB54B}" type="datetime1">
               <a:rPr lang="de-DE" smtClean="0"/>
-              <a:t>12.04.2015</a:t>
+              <a:t>15-04-13</a:t>
             </a:fld>
             <a:endParaRPr lang="de-DE"/>
           </a:p>
@@ -766,7 +772,7 @@
           <a:p>
             <a:fld id="{E81C4A6D-0315-4A09-8D5A-3A65F767D07B}" type="slidenum">
               <a:rPr lang="de-DE" smtClean="0"/>
-              <a:t>‹Nr.›</a:t>
+              <a:t>‹#›</a:t>
             </a:fld>
             <a:endParaRPr lang="de-DE"/>
           </a:p>
@@ -947,7 +953,7 @@
           <a:p>
             <a:fld id="{7CDDFC31-3C0F-4D92-AB4B-1AD4D9A10ABC}" type="datetime1">
               <a:rPr lang="de-DE" smtClean="0"/>
-              <a:t>12.04.2015</a:t>
+              <a:t>15-04-13</a:t>
             </a:fld>
             <a:endParaRPr lang="de-DE"/>
           </a:p>
@@ -989,7 +995,7 @@
           <a:p>
             <a:fld id="{E81C4A6D-0315-4A09-8D5A-3A65F767D07B}" type="slidenum">
               <a:rPr lang="de-DE" smtClean="0"/>
-              <a:t>‹Nr.›</a:t>
+              <a:t>‹#›</a:t>
             </a:fld>
             <a:endParaRPr lang="de-DE"/>
           </a:p>
@@ -1227,7 +1233,7 @@
           <a:p>
             <a:fld id="{05659E21-C021-4B62-AF34-0D07F92ACDE4}" type="datetime1">
               <a:rPr lang="de-DE" smtClean="0"/>
-              <a:t>12.04.2015</a:t>
+              <a:t>15-04-13</a:t>
             </a:fld>
             <a:endParaRPr lang="de-DE"/>
           </a:p>
@@ -1274,7 +1280,7 @@
           <a:p>
             <a:fld id="{E81C4A6D-0315-4A09-8D5A-3A65F767D07B}" type="slidenum">
               <a:rPr lang="de-DE" smtClean="0"/>
-              <a:t>‹Nr.›</a:t>
+              <a:t>‹#›</a:t>
             </a:fld>
             <a:endParaRPr lang="de-DE"/>
           </a:p>
@@ -1406,7 +1412,7 @@
           <a:p>
             <a:fld id="{8CD66B5F-F428-4AD5-AEA0-24CEBF2DCAA4}" type="datetime1">
               <a:rPr lang="de-DE" smtClean="0"/>
-              <a:t>12.04.2015</a:t>
+              <a:t>15-04-13</a:t>
             </a:fld>
             <a:endParaRPr lang="de-DE"/>
           </a:p>
@@ -1448,7 +1454,7 @@
           <a:p>
             <a:fld id="{E81C4A6D-0315-4A09-8D5A-3A65F767D07B}" type="slidenum">
               <a:rPr lang="de-DE" smtClean="0"/>
-              <a:t>‹Nr.›</a:t>
+              <a:t>‹#›</a:t>
             </a:fld>
             <a:endParaRPr lang="de-DE"/>
           </a:p>
@@ -1764,7 +1770,7 @@
           <a:p>
             <a:fld id="{56CB83C8-E22B-4102-8876-C10FEED5964B}" type="datetime1">
               <a:rPr lang="de-DE" smtClean="0"/>
-              <a:t>12.04.2015</a:t>
+              <a:t>15-04-13</a:t>
             </a:fld>
             <a:endParaRPr lang="de-DE"/>
           </a:p>
@@ -1806,7 +1812,7 @@
           <a:p>
             <a:fld id="{E81C4A6D-0315-4A09-8D5A-3A65F767D07B}" type="slidenum">
               <a:rPr lang="de-DE" smtClean="0"/>
-              <a:t>‹Nr.›</a:t>
+              <a:t>‹#›</a:t>
             </a:fld>
             <a:endParaRPr lang="de-DE"/>
           </a:p>
@@ -2051,7 +2057,7 @@
           <a:p>
             <a:fld id="{87CB9EA3-C823-4552-AC61-4C15664A8A8B}" type="datetime1">
               <a:rPr lang="de-DE" smtClean="0"/>
-              <a:t>12.04.2015</a:t>
+              <a:t>15-04-13</a:t>
             </a:fld>
             <a:endParaRPr lang="de-DE"/>
           </a:p>
@@ -2093,7 +2099,7 @@
           <a:p>
             <a:fld id="{E81C4A6D-0315-4A09-8D5A-3A65F767D07B}" type="slidenum">
               <a:rPr lang="de-DE" smtClean="0"/>
-              <a:t>‹Nr.›</a:t>
+              <a:t>‹#›</a:t>
             </a:fld>
             <a:endParaRPr lang="de-DE"/>
           </a:p>
@@ -2473,7 +2479,7 @@
           <a:p>
             <a:fld id="{F0F7EFD9-C69E-4DB9-B1BF-3A8D786BEDA1}" type="datetime1">
               <a:rPr lang="de-DE" smtClean="0"/>
-              <a:t>12.04.2015</a:t>
+              <a:t>15-04-13</a:t>
             </a:fld>
             <a:endParaRPr lang="de-DE"/>
           </a:p>
@@ -2515,7 +2521,7 @@
           <a:p>
             <a:fld id="{E81C4A6D-0315-4A09-8D5A-3A65F767D07B}" type="slidenum">
               <a:rPr lang="de-DE" smtClean="0"/>
-              <a:t>‹Nr.›</a:t>
+              <a:t>‹#›</a:t>
             </a:fld>
             <a:endParaRPr lang="de-DE"/>
           </a:p>
@@ -2588,7 +2594,7 @@
           <a:p>
             <a:fld id="{F0AD6F2C-E193-4B3D-825E-53DD21D209E9}" type="datetime1">
               <a:rPr lang="de-DE" smtClean="0"/>
-              <a:t>12.04.2015</a:t>
+              <a:t>15-04-13</a:t>
             </a:fld>
             <a:endParaRPr lang="de-DE"/>
           </a:p>
@@ -2630,7 +2636,7 @@
           <a:p>
             <a:fld id="{E81C4A6D-0315-4A09-8D5A-3A65F767D07B}" type="slidenum">
               <a:rPr lang="de-DE" smtClean="0"/>
-              <a:t>‹Nr.›</a:t>
+              <a:t>‹#›</a:t>
             </a:fld>
             <a:endParaRPr lang="de-DE"/>
           </a:p>
@@ -2678,7 +2684,7 @@
           <a:p>
             <a:fld id="{4B63A411-9D65-458E-9D0C-3E9532339D84}" type="datetime1">
               <a:rPr lang="de-DE" smtClean="0"/>
-              <a:t>12.04.2015</a:t>
+              <a:t>15-04-13</a:t>
             </a:fld>
             <a:endParaRPr lang="de-DE"/>
           </a:p>
@@ -2720,7 +2726,7 @@
           <a:p>
             <a:fld id="{E81C4A6D-0315-4A09-8D5A-3A65F767D07B}" type="slidenum">
               <a:rPr lang="de-DE" smtClean="0"/>
-              <a:t>‹Nr.›</a:t>
+              <a:t>‹#›</a:t>
             </a:fld>
             <a:endParaRPr lang="de-DE"/>
           </a:p>
@@ -2956,7 +2962,7 @@
           <a:p>
             <a:fld id="{77BCDE39-89E0-41D1-8BE3-F7CF8252B5D2}" type="datetime1">
               <a:rPr lang="de-DE" smtClean="0"/>
-              <a:t>12.04.2015</a:t>
+              <a:t>15-04-13</a:t>
             </a:fld>
             <a:endParaRPr lang="de-DE"/>
           </a:p>
@@ -2998,7 +3004,7 @@
           <a:p>
             <a:fld id="{E81C4A6D-0315-4A09-8D5A-3A65F767D07B}" type="slidenum">
               <a:rPr lang="de-DE" smtClean="0"/>
-              <a:t>‹Nr.›</a:t>
+              <a:t>‹#›</a:t>
             </a:fld>
             <a:endParaRPr lang="de-DE"/>
           </a:p>
@@ -3322,7 +3328,7 @@
           <a:p>
             <a:fld id="{E1556925-8BB6-42C7-9C68-C67ACB224282}" type="datetime1">
               <a:rPr lang="de-DE" smtClean="0"/>
-              <a:t>12.04.2015</a:t>
+              <a:t>15-04-13</a:t>
             </a:fld>
             <a:endParaRPr lang="de-DE"/>
           </a:p>
@@ -3478,7 +3484,7 @@
           <a:p>
             <a:fld id="{E81C4A6D-0315-4A09-8D5A-3A65F767D07B}" type="slidenum">
               <a:rPr lang="de-DE" smtClean="0"/>
-              <a:t>‹Nr.›</a:t>
+              <a:t>‹#›</a:t>
             </a:fld>
             <a:endParaRPr lang="de-DE"/>
           </a:p>
@@ -3759,7 +3765,7 @@
           <a:p>
             <a:fld id="{D4CF8A5A-F4ED-4F76-8BD7-110E91F4C05B}" type="datetime1">
               <a:rPr lang="de-DE" smtClean="0"/>
-              <a:t>12.04.2015</a:t>
+              <a:t>15-04-13</a:t>
             </a:fld>
             <a:endParaRPr lang="de-DE"/>
           </a:p>
@@ -3839,7 +3845,7 @@
           <a:p>
             <a:fld id="{E81C4A6D-0315-4A09-8D5A-3A65F767D07B}" type="slidenum">
               <a:rPr lang="de-DE" smtClean="0"/>
-              <a:t>‹Nr.›</a:t>
+              <a:t>‹#›</a:t>
             </a:fld>
             <a:endParaRPr lang="de-DE"/>
           </a:p>
@@ -4291,19 +4297,7 @@
             </a:r>
             <a:r>
               <a:rPr lang="de-DE" dirty="0" smtClean="0"/>
-              <a:t>, Jannis </a:t>
-            </a:r>
-            <a:r>
-              <a:rPr lang="de-DE" dirty="0" smtClean="0"/>
-              <a:t> Andrija </a:t>
-            </a:r>
-            <a:r>
-              <a:rPr lang="de-DE" dirty="0" smtClean="0"/>
-              <a:t>Schnitzer, </a:t>
-            </a:r>
-            <a:r>
-              <a:rPr lang="de-DE" dirty="0" smtClean="0"/>
-              <a:t>Jonathan </a:t>
+              <a:t>, Jannis  Andrija Schnitzer, Jonathan </a:t>
             </a:r>
             <a:r>
               <a:rPr lang="de-DE" dirty="0" err="1" smtClean="0"/>
@@ -4344,7 +4338,7 @@
   <p:timing>
     <p:tnLst>
       <p:par>
-        <p:cTn id="1" dur="indefinite" restart="never" nodeType="tmRoot"/>
+        <p:cTn xmlns:p14="http://schemas.microsoft.com/office/powerpoint/2010/main" id="1" dur="indefinite" restart="never" nodeType="tmRoot"/>
       </p:par>
     </p:tnLst>
   </p:timing>
@@ -4444,14 +4438,6 @@
               </a:rPr>
               <a:t>Ende Dezember: </a:t>
             </a:r>
-            <a:endParaRPr lang="de-DE" dirty="0" smtClean="0">
-              <a:solidFill>
-                <a:schemeClr val="accent2">
-                  <a:lumMod val="20000"/>
-                  <a:lumOff val="80000"/>
-                </a:schemeClr>
-              </a:solidFill>
-            </a:endParaRPr>
           </a:p>
           <a:p>
             <a:pPr lvl="2"/>
@@ -4464,7 +4450,18 @@
                   </a:schemeClr>
                 </a:solidFill>
               </a:rPr>
-              <a:t>Planung </a:t>
+              <a:t>Planung und Kauf des Autos, des GPS-Moduls und der </a:t>
+            </a:r>
+            <a:r>
+              <a:rPr lang="de-DE" dirty="0" err="1" smtClean="0">
+                <a:solidFill>
+                  <a:schemeClr val="accent2">
+                    <a:lumMod val="20000"/>
+                    <a:lumOff val="80000"/>
+                  </a:schemeClr>
+                </a:solidFill>
+              </a:rPr>
+              <a:t>Sensorik</a:t>
             </a:r>
             <a:r>
               <a:rPr lang="de-DE" dirty="0" smtClean="0">
@@ -4475,7 +4472,63 @@
                   </a:schemeClr>
                 </a:solidFill>
               </a:rPr>
-              <a:t>und Kauf des Autos, des GPS-Moduls und der </a:t>
+              <a:t>. Sich vertraut machen mit den Geräten.</a:t>
+            </a:r>
+          </a:p>
+          <a:p>
+            <a:pPr lvl="1"/>
+            <a:r>
+              <a:rPr lang="de-DE" dirty="0" smtClean="0">
+                <a:solidFill>
+                  <a:schemeClr val="accent2">
+                    <a:lumMod val="20000"/>
+                    <a:lumOff val="80000"/>
+                  </a:schemeClr>
+                </a:solidFill>
+              </a:rPr>
+              <a:t>Ende Januar: </a:t>
+            </a:r>
+          </a:p>
+          <a:p>
+            <a:pPr lvl="2"/>
+            <a:r>
+              <a:rPr lang="de-DE" dirty="0" smtClean="0">
+                <a:solidFill>
+                  <a:schemeClr val="accent2">
+                    <a:lumMod val="20000"/>
+                    <a:lumOff val="80000"/>
+                  </a:schemeClr>
+                </a:solidFill>
+              </a:rPr>
+              <a:t>Mechanische Integration der Computer-Elektronik in das Fahrzeug. Programmierung der grundlegenden Fahrfunktionen evtl. schon in Abstimmung mit GPS.</a:t>
+            </a:r>
+          </a:p>
+          <a:p>
+            <a:pPr lvl="1"/>
+            <a:r>
+              <a:rPr lang="de-DE" dirty="0" smtClean="0">
+                <a:solidFill>
+                  <a:schemeClr val="accent2">
+                    <a:lumMod val="20000"/>
+                    <a:lumOff val="80000"/>
+                  </a:schemeClr>
+                </a:solidFill>
+              </a:rPr>
+              <a:t>Mitte Februar: </a:t>
+            </a:r>
+          </a:p>
+          <a:p>
+            <a:pPr lvl="2"/>
+            <a:r>
+              <a:rPr lang="de-DE" dirty="0" smtClean="0">
+                <a:solidFill>
+                  <a:schemeClr val="accent2">
+                    <a:lumMod val="20000"/>
+                    <a:lumOff val="80000"/>
+                  </a:schemeClr>
+                </a:solidFill>
+              </a:rPr>
+              <a:t>Fahrt auf glatter Strecke mit GPS und </a:t>
             </a:r>
             <a:r>
               <a:rPr lang="de-DE" dirty="0" err="1" smtClean="0">
@@ -4497,8 +4550,11 @@
                   </a:schemeClr>
                 </a:solidFill>
               </a:rPr>
-              <a:t>. Sich vertraut machen mit den </a:t>
-            </a:r>
+              <a:t>.</a:t>
+            </a:r>
+          </a:p>
+          <a:p>
+            <a:pPr lvl="1"/>
             <a:r>
               <a:rPr lang="de-DE" dirty="0" smtClean="0">
                 <a:solidFill>
@@ -4508,7 +4564,43 @@
                   </a:schemeClr>
                 </a:solidFill>
               </a:rPr>
-              <a:t>Geräten.</a:t>
+              <a:t>Ende Februar: </a:t>
+            </a:r>
+          </a:p>
+          <a:p>
+            <a:pPr lvl="2"/>
+            <a:r>
+              <a:rPr lang="de-DE" dirty="0" smtClean="0">
+                <a:solidFill>
+                  <a:schemeClr val="accent2">
+                    <a:lumMod val="20000"/>
+                    <a:lumOff val="80000"/>
+                  </a:schemeClr>
+                </a:solidFill>
+              </a:rPr>
+              <a:t>Wegplanung anhand von Open Street </a:t>
+            </a:r>
+            <a:r>
+              <a:rPr lang="de-DE" dirty="0" err="1" smtClean="0">
+                <a:solidFill>
+                  <a:schemeClr val="accent2">
+                    <a:lumMod val="20000"/>
+                    <a:lumOff val="80000"/>
+                  </a:schemeClr>
+                </a:solidFill>
+              </a:rPr>
+              <a:t>Maps</a:t>
+            </a:r>
+            <a:r>
+              <a:rPr lang="de-DE" dirty="0" smtClean="0">
+                <a:solidFill>
+                  <a:schemeClr val="accent2">
+                    <a:lumMod val="20000"/>
+                    <a:lumOff val="80000"/>
+                  </a:schemeClr>
+                </a:solidFill>
+              </a:rPr>
+              <a:t>. Optimierung.</a:t>
             </a:r>
           </a:p>
           <a:p>
@@ -4522,16 +4614,8 @@
                   </a:schemeClr>
                 </a:solidFill>
               </a:rPr>
-              <a:t>Ende Januar: </a:t>
-            </a:r>
-            <a:endParaRPr lang="de-DE" dirty="0" smtClean="0">
-              <a:solidFill>
-                <a:schemeClr val="accent2">
-                  <a:lumMod val="20000"/>
-                  <a:lumOff val="80000"/>
-                </a:schemeClr>
-              </a:solidFill>
-            </a:endParaRPr>
+              <a:t>Ende März: </a:t>
+            </a:r>
           </a:p>
           <a:p>
             <a:pPr lvl="2"/>
@@ -4544,247 +4628,7 @@
                   </a:schemeClr>
                 </a:solidFill>
               </a:rPr>
-              <a:t>Mechanische </a:t>
-            </a:r>
-            <a:r>
-              <a:rPr lang="de-DE" dirty="0" smtClean="0">
-                <a:solidFill>
-                  <a:schemeClr val="accent2">
-                    <a:lumMod val="20000"/>
-                    <a:lumOff val="80000"/>
-                  </a:schemeClr>
-                </a:solidFill>
-              </a:rPr>
-              <a:t>Integration der Computer-Elektronik in das Fahrzeug. Programmierung der grundlegenden Fahrfunktionen </a:t>
-            </a:r>
-            <a:r>
-              <a:rPr lang="de-DE" dirty="0" smtClean="0">
-                <a:solidFill>
-                  <a:schemeClr val="accent2">
-                    <a:lumMod val="20000"/>
-                    <a:lumOff val="80000"/>
-                  </a:schemeClr>
-                </a:solidFill>
-              </a:rPr>
-              <a:t>evtl. </a:t>
-            </a:r>
-            <a:r>
-              <a:rPr lang="de-DE" dirty="0" smtClean="0">
-                <a:solidFill>
-                  <a:schemeClr val="accent2">
-                    <a:lumMod val="20000"/>
-                    <a:lumOff val="80000"/>
-                  </a:schemeClr>
-                </a:solidFill>
-              </a:rPr>
-              <a:t>schon in Abstimmung mit GPS</a:t>
-            </a:r>
-            <a:r>
-              <a:rPr lang="de-DE" dirty="0" smtClean="0">
-                <a:solidFill>
-                  <a:schemeClr val="accent2">
-                    <a:lumMod val="20000"/>
-                    <a:lumOff val="80000"/>
-                  </a:schemeClr>
-                </a:solidFill>
-              </a:rPr>
-              <a:t>.</a:t>
-            </a:r>
-          </a:p>
-          <a:p>
-            <a:pPr lvl="1"/>
-            <a:r>
-              <a:rPr lang="de-DE" dirty="0" smtClean="0">
-                <a:solidFill>
-                  <a:schemeClr val="accent2">
-                    <a:lumMod val="20000"/>
-                    <a:lumOff val="80000"/>
-                  </a:schemeClr>
-                </a:solidFill>
-              </a:rPr>
-              <a:t>Mitte Februar: </a:t>
-            </a:r>
-            <a:endParaRPr lang="de-DE" dirty="0" smtClean="0">
-              <a:solidFill>
-                <a:schemeClr val="accent2">
-                  <a:lumMod val="20000"/>
-                  <a:lumOff val="80000"/>
-                </a:schemeClr>
-              </a:solidFill>
-            </a:endParaRPr>
-          </a:p>
-          <a:p>
-            <a:pPr lvl="2"/>
-            <a:r>
-              <a:rPr lang="de-DE" dirty="0" smtClean="0">
-                <a:solidFill>
-                  <a:schemeClr val="accent2">
-                    <a:lumMod val="20000"/>
-                    <a:lumOff val="80000"/>
-                  </a:schemeClr>
-                </a:solidFill>
-              </a:rPr>
-              <a:t>Fahrt </a:t>
-            </a:r>
-            <a:r>
-              <a:rPr lang="de-DE" dirty="0" smtClean="0">
-                <a:solidFill>
-                  <a:schemeClr val="accent2">
-                    <a:lumMod val="20000"/>
-                    <a:lumOff val="80000"/>
-                  </a:schemeClr>
-                </a:solidFill>
-              </a:rPr>
-              <a:t>auf glatter Strecke mit GPS und </a:t>
-            </a:r>
-            <a:r>
-              <a:rPr lang="de-DE" dirty="0" err="1" smtClean="0">
-                <a:solidFill>
-                  <a:schemeClr val="accent2">
-                    <a:lumMod val="20000"/>
-                    <a:lumOff val="80000"/>
-                  </a:schemeClr>
-                </a:solidFill>
-              </a:rPr>
-              <a:t>Sensorik</a:t>
-            </a:r>
-            <a:r>
-              <a:rPr lang="de-DE" dirty="0" smtClean="0">
-                <a:solidFill>
-                  <a:schemeClr val="accent2">
-                    <a:lumMod val="20000"/>
-                    <a:lumOff val="80000"/>
-                  </a:schemeClr>
-                </a:solidFill>
-              </a:rPr>
-              <a:t>.</a:t>
-            </a:r>
-          </a:p>
-          <a:p>
-            <a:pPr lvl="1"/>
-            <a:r>
-              <a:rPr lang="de-DE" dirty="0" smtClean="0">
-                <a:solidFill>
-                  <a:schemeClr val="accent2">
-                    <a:lumMod val="20000"/>
-                    <a:lumOff val="80000"/>
-                  </a:schemeClr>
-                </a:solidFill>
-              </a:rPr>
-              <a:t>Ende Februar: </a:t>
-            </a:r>
-            <a:endParaRPr lang="de-DE" dirty="0" smtClean="0">
-              <a:solidFill>
-                <a:schemeClr val="accent2">
-                  <a:lumMod val="20000"/>
-                  <a:lumOff val="80000"/>
-                </a:schemeClr>
-              </a:solidFill>
-            </a:endParaRPr>
-          </a:p>
-          <a:p>
-            <a:pPr lvl="2"/>
-            <a:r>
-              <a:rPr lang="de-DE" dirty="0" smtClean="0">
-                <a:solidFill>
-                  <a:schemeClr val="accent2">
-                    <a:lumMod val="20000"/>
-                    <a:lumOff val="80000"/>
-                  </a:schemeClr>
-                </a:solidFill>
-              </a:rPr>
-              <a:t>Wegplanung </a:t>
-            </a:r>
-            <a:r>
-              <a:rPr lang="de-DE" dirty="0" smtClean="0">
-                <a:solidFill>
-                  <a:schemeClr val="accent2">
-                    <a:lumMod val="20000"/>
-                    <a:lumOff val="80000"/>
-                  </a:schemeClr>
-                </a:solidFill>
-              </a:rPr>
-              <a:t>anhand von Open Street </a:t>
-            </a:r>
-            <a:r>
-              <a:rPr lang="de-DE" dirty="0" err="1" smtClean="0">
-                <a:solidFill>
-                  <a:schemeClr val="accent2">
-                    <a:lumMod val="20000"/>
-                    <a:lumOff val="80000"/>
-                  </a:schemeClr>
-                </a:solidFill>
-              </a:rPr>
-              <a:t>Maps</a:t>
-            </a:r>
-            <a:r>
-              <a:rPr lang="de-DE" dirty="0" smtClean="0">
-                <a:solidFill>
-                  <a:schemeClr val="accent2">
-                    <a:lumMod val="20000"/>
-                    <a:lumOff val="80000"/>
-                  </a:schemeClr>
-                </a:solidFill>
-              </a:rPr>
-              <a:t>. Optimierung</a:t>
-            </a:r>
-            <a:r>
-              <a:rPr lang="de-DE" dirty="0" smtClean="0">
-                <a:solidFill>
-                  <a:schemeClr val="accent2">
-                    <a:lumMod val="20000"/>
-                    <a:lumOff val="80000"/>
-                  </a:schemeClr>
-                </a:solidFill>
-              </a:rPr>
-              <a:t>.</a:t>
-            </a:r>
-          </a:p>
-          <a:p>
-            <a:pPr lvl="1"/>
-            <a:r>
-              <a:rPr lang="de-DE" dirty="0" smtClean="0">
-                <a:solidFill>
-                  <a:schemeClr val="accent2">
-                    <a:lumMod val="20000"/>
-                    <a:lumOff val="80000"/>
-                  </a:schemeClr>
-                </a:solidFill>
-              </a:rPr>
-              <a:t>Ende März: </a:t>
-            </a:r>
-            <a:endParaRPr lang="de-DE" dirty="0" smtClean="0">
-              <a:solidFill>
-                <a:schemeClr val="accent2">
-                  <a:lumMod val="20000"/>
-                  <a:lumOff val="80000"/>
-                </a:schemeClr>
-              </a:solidFill>
-            </a:endParaRPr>
-          </a:p>
-          <a:p>
-            <a:pPr lvl="2"/>
-            <a:r>
-              <a:rPr lang="de-DE" dirty="0" smtClean="0">
-                <a:solidFill>
-                  <a:schemeClr val="accent2">
-                    <a:lumMod val="20000"/>
-                    <a:lumOff val="80000"/>
-                  </a:schemeClr>
-                </a:solidFill>
-              </a:rPr>
-              <a:t>Erstellung </a:t>
-            </a:r>
-            <a:r>
-              <a:rPr lang="de-DE" dirty="0" smtClean="0">
-                <a:solidFill>
-                  <a:schemeClr val="accent2">
-                    <a:lumMod val="20000"/>
-                    <a:lumOff val="80000"/>
-                  </a:schemeClr>
-                </a:solidFill>
-              </a:rPr>
-              <a:t>der Dokumente (Präsentation, Plakat, Website) und ggf. Puffer für die Behebung aufgetretener Probleme.</a:t>
+              <a:t>Erstellung der Dokumente (Präsentation, Plakat, Website) und ggf. Puffer für die Behebung aufgetretener Probleme.</a:t>
             </a:r>
           </a:p>
         </p:txBody>
@@ -4820,7 +4664,7 @@
   <p:timing>
     <p:tnLst>
       <p:par>
-        <p:cTn id="1" dur="indefinite" restart="never" nodeType="tmRoot"/>
+        <p:cTn xmlns:p14="http://schemas.microsoft.com/office/powerpoint/2010/main" id="1" dur="indefinite" restart="never" nodeType="tmRoot"/>
       </p:par>
     </p:tnLst>
   </p:timing>
@@ -5086,7 +4930,7 @@
         </p:nvGraphicFramePr>
         <p:xfrm>
           <a:off x="1500166" y="2428868"/>
-          <a:ext cx="6096000" cy="4302760"/>
+          <a:ext cx="6096000" cy="4302759"/>
         </p:xfrm>
         <a:graphic>
           <a:graphicData uri="http://schemas.openxmlformats.org/drawingml/2006/table">
@@ -5395,7 +5239,7 @@
   <p:timing>
     <p:tnLst>
       <p:par>
-        <p:cTn id="1" dur="indefinite" restart="never" nodeType="tmRoot">
+        <p:cTn xmlns:p14="http://schemas.microsoft.com/office/powerpoint/2010/main" id="1" dur="indefinite" restart="never" nodeType="tmRoot">
           <p:childTnLst>
             <p:seq concurrent="1" nextAc="seek">
               <p:cTn id="2" dur="indefinite" nodeType="mainSeq">
@@ -6262,7 +6106,7 @@
   <p:timing>
     <p:tnLst>
       <p:par>
-        <p:cTn id="1" dur="indefinite" restart="never" nodeType="tmRoot">
+        <p:cTn xmlns:p14="http://schemas.microsoft.com/office/powerpoint/2010/main" id="1" dur="indefinite" restart="never" nodeType="tmRoot">
           <p:childTnLst>
             <p:seq concurrent="1" nextAc="seek">
               <p:cTn id="2" dur="indefinite" nodeType="mainSeq">
@@ -7589,7 +7433,7 @@
   <p:timing>
     <p:tnLst>
       <p:par>
-        <p:cTn id="1" dur="indefinite" restart="never" nodeType="tmRoot"/>
+        <p:cTn xmlns:p14="http://schemas.microsoft.com/office/powerpoint/2010/main" id="1" dur="indefinite" restart="never" nodeType="tmRoot"/>
       </p:par>
     </p:tnLst>
   </p:timing>
@@ -7817,7 +7661,18 @@
                   </a:schemeClr>
                 </a:solidFill>
               </a:rPr>
-              <a:t>-1 </a:t>
+              <a:t>-1 (Vollgas rückwärts) &lt;= </a:t>
+            </a:r>
+            <a:r>
+              <a:rPr lang="de-DE" dirty="0" err="1" smtClean="0">
+                <a:solidFill>
+                  <a:schemeClr val="accent2">
+                    <a:lumMod val="20000"/>
+                    <a:lumOff val="80000"/>
+                  </a:schemeClr>
+                </a:solidFill>
+              </a:rPr>
+              <a:t>deg</a:t>
             </a:r>
             <a:r>
               <a:rPr lang="de-DE" dirty="0" smtClean="0">
@@ -7828,7 +7683,21 @@
                   </a:schemeClr>
                 </a:solidFill>
               </a:rPr>
-              <a:t>(Vollgas rückwärts) </a:t>
+              <a:t> &lt;= 1 (max. Vollgas vorwärts)</a:t>
+            </a:r>
+          </a:p>
+          <a:p>
+            <a:pPr lvl="1"/>
+            <a:r>
+              <a:rPr lang="de-DE" dirty="0" err="1" smtClean="0">
+                <a:solidFill>
+                  <a:schemeClr val="accent2">
+                    <a:lumMod val="20000"/>
+                    <a:lumOff val="80000"/>
+                  </a:schemeClr>
+                </a:solidFill>
+              </a:rPr>
+              <a:t>drive</a:t>
             </a:r>
             <a:r>
               <a:rPr lang="de-DE" dirty="0" smtClean="0">
@@ -7839,7 +7708,7 @@
                   </a:schemeClr>
                 </a:solidFill>
               </a:rPr>
-              <a:t>&lt;= </a:t>
+              <a:t>(</a:t>
             </a:r>
             <a:r>
               <a:rPr lang="de-DE" dirty="0" err="1" smtClean="0">
@@ -7850,7 +7719,7 @@
                   </a:schemeClr>
                 </a:solidFill>
               </a:rPr>
-              <a:t>deg</a:t>
+              <a:t>speed</a:t>
             </a:r>
             <a:r>
               <a:rPr lang="de-DE" dirty="0" smtClean="0">
@@ -7861,8 +7730,11 @@
                   </a:schemeClr>
                 </a:solidFill>
               </a:rPr>
-              <a:t> &lt;= 1 (max. </a:t>
-            </a:r>
+              <a:t>)</a:t>
+            </a:r>
+          </a:p>
+          <a:p>
+            <a:pPr lvl="2"/>
             <a:r>
               <a:rPr lang="de-DE" dirty="0" smtClean="0">
                 <a:solidFill>
@@ -7872,77 +7744,8 @@
                   </a:schemeClr>
                 </a:solidFill>
               </a:rPr>
-              <a:t>Vollgas vorwärts)</a:t>
-            </a:r>
-          </a:p>
-          <a:p>
-            <a:pPr lvl="1"/>
-            <a:r>
-              <a:rPr lang="de-DE" dirty="0" err="1" smtClean="0">
-                <a:solidFill>
-                  <a:schemeClr val="accent2">
-                    <a:lumMod val="20000"/>
-                    <a:lumOff val="80000"/>
-                  </a:schemeClr>
-                </a:solidFill>
-              </a:rPr>
-              <a:t>drive</a:t>
-            </a:r>
-            <a:r>
-              <a:rPr lang="de-DE" dirty="0" smtClean="0">
-                <a:solidFill>
-                  <a:schemeClr val="accent2">
-                    <a:lumMod val="20000"/>
-                    <a:lumOff val="80000"/>
-                  </a:schemeClr>
-                </a:solidFill>
-              </a:rPr>
-              <a:t>(</a:t>
-            </a:r>
-            <a:r>
-              <a:rPr lang="de-DE" dirty="0" err="1" smtClean="0">
-                <a:solidFill>
-                  <a:schemeClr val="accent2">
-                    <a:lumMod val="20000"/>
-                    <a:lumOff val="80000"/>
-                  </a:schemeClr>
-                </a:solidFill>
-              </a:rPr>
-              <a:t>speed</a:t>
-            </a:r>
-            <a:r>
-              <a:rPr lang="de-DE" dirty="0" smtClean="0">
-                <a:solidFill>
-                  <a:schemeClr val="accent2">
-                    <a:lumMod val="20000"/>
-                    <a:lumOff val="80000"/>
-                  </a:schemeClr>
-                </a:solidFill>
-              </a:rPr>
-              <a:t>)</a:t>
-            </a:r>
-          </a:p>
-          <a:p>
-            <a:pPr lvl="2"/>
-            <a:r>
-              <a:rPr lang="de-DE" dirty="0" smtClean="0">
-                <a:solidFill>
-                  <a:schemeClr val="accent2">
-                    <a:lumMod val="20000"/>
-                    <a:lumOff val="80000"/>
-                  </a:schemeClr>
-                </a:solidFill>
-              </a:rPr>
               <a:t>Geschwindigkeit in m/s</a:t>
             </a:r>
-            <a:endParaRPr lang="de-DE" dirty="0" smtClean="0">
-              <a:solidFill>
-                <a:schemeClr val="accent2">
-                  <a:lumMod val="20000"/>
-                  <a:lumOff val="80000"/>
-                </a:schemeClr>
-              </a:solidFill>
-            </a:endParaRPr>
           </a:p>
           <a:p>
             <a:pPr lvl="1"/>
@@ -8062,7 +7865,7 @@
   <p:timing>
     <p:tnLst>
       <p:par>
-        <p:cTn id="1" dur="indefinite" restart="never" nodeType="tmRoot"/>
+        <p:cTn xmlns:p14="http://schemas.microsoft.com/office/powerpoint/2010/main" id="1" dur="indefinite" restart="never" nodeType="tmRoot"/>
       </p:par>
     </p:tnLst>
   </p:timing>
@@ -8103,7 +7906,7 @@
           <a:p>
             <a:r>
               <a:rPr lang="de-DE" dirty="0" smtClean="0"/>
-              <a:t>Navigation</a:t>
+              <a:t>GPS-Daten</a:t>
             </a:r>
             <a:endParaRPr lang="de-DE" dirty="0"/>
           </a:p>
@@ -8119,12 +7922,161 @@
             <p:ph idx="1"/>
           </p:nvPr>
         </p:nvSpPr>
-        <p:spPr/>
+        <p:spPr>
+          <a:xfrm>
+            <a:off x="457200" y="1866672"/>
+            <a:ext cx="8229600" cy="4442648"/>
+          </a:xfrm>
+        </p:spPr>
         <p:txBody>
           <a:bodyPr/>
           <a:lstStyle/>
           <a:p>
-            <a:endParaRPr lang="de-DE"/>
+            <a:r>
+              <a:rPr lang="de-DE" dirty="0" smtClean="0">
+                <a:solidFill>
+                  <a:schemeClr val="accent2">
+                    <a:lumMod val="20000"/>
+                    <a:lumOff val="80000"/>
+                  </a:schemeClr>
+                </a:solidFill>
+              </a:rPr>
+              <a:t>GPS-Abfrage via </a:t>
+            </a:r>
+            <a:r>
+              <a:rPr lang="de-DE" i="1" dirty="0" err="1" smtClean="0">
+                <a:solidFill>
+                  <a:schemeClr val="accent2">
+                    <a:lumMod val="20000"/>
+                    <a:lumOff val="80000"/>
+                  </a:schemeClr>
+                </a:solidFill>
+              </a:rPr>
+              <a:t>gpsd</a:t>
+            </a:r>
+            <a:endParaRPr lang="de-DE" i="1" dirty="0" smtClean="0">
+              <a:solidFill>
+                <a:schemeClr val="accent2">
+                  <a:lumMod val="20000"/>
+                  <a:lumOff val="80000"/>
+                </a:schemeClr>
+              </a:solidFill>
+            </a:endParaRPr>
+          </a:p>
+          <a:p>
+            <a:pPr lvl="1"/>
+            <a:r>
+              <a:rPr lang="de-DE" dirty="0" smtClean="0">
+                <a:solidFill>
+                  <a:schemeClr val="accent2">
+                    <a:lumMod val="20000"/>
+                    <a:lumOff val="80000"/>
+                  </a:schemeClr>
+                </a:solidFill>
+              </a:rPr>
+              <a:t>Freie Software zum Auslesen und Bereitstellen von GPS-Daten</a:t>
+            </a:r>
+          </a:p>
+          <a:p>
+            <a:r>
+              <a:rPr lang="de-DE" dirty="0" smtClean="0">
+                <a:solidFill>
+                  <a:schemeClr val="accent2">
+                    <a:lumMod val="20000"/>
+                    <a:lumOff val="80000"/>
+                  </a:schemeClr>
+                </a:solidFill>
+              </a:rPr>
+              <a:t>Python-Clientbibliothek fragt Rohdaten ab</a:t>
+            </a:r>
+          </a:p>
+          <a:p>
+            <a:r>
+              <a:rPr lang="de-DE" dirty="0" smtClean="0">
+                <a:solidFill>
+                  <a:schemeClr val="accent2">
+                    <a:lumMod val="20000"/>
+                    <a:lumOff val="80000"/>
+                  </a:schemeClr>
+                </a:solidFill>
+              </a:rPr>
+              <a:t>Mittelwertbildung </a:t>
+            </a:r>
+            <a:r>
+              <a:rPr lang="de-DE" dirty="0" smtClean="0">
+                <a:solidFill>
+                  <a:schemeClr val="accent2">
+                    <a:lumMod val="20000"/>
+                    <a:lumOff val="80000"/>
+                  </a:schemeClr>
+                </a:solidFill>
+              </a:rPr>
+              <a:t>über 3 </a:t>
+            </a:r>
+            <a:r>
+              <a:rPr lang="de-DE" dirty="0" err="1" smtClean="0">
+                <a:solidFill>
+                  <a:schemeClr val="accent2">
+                    <a:lumMod val="20000"/>
+                    <a:lumOff val="80000"/>
+                  </a:schemeClr>
+                </a:solidFill>
+              </a:rPr>
+              <a:t>Rohwerte</a:t>
+            </a:r>
+            <a:endParaRPr lang="de-DE" dirty="0" smtClean="0">
+              <a:solidFill>
+                <a:schemeClr val="accent2">
+                  <a:lumMod val="20000"/>
+                  <a:lumOff val="80000"/>
+                </a:schemeClr>
+              </a:solidFill>
+            </a:endParaRPr>
+          </a:p>
+          <a:p>
+            <a:endParaRPr lang="de-DE" dirty="0">
+              <a:solidFill>
+                <a:schemeClr val="accent2">
+                  <a:lumMod val="20000"/>
+                  <a:lumOff val="80000"/>
+                </a:schemeClr>
+              </a:solidFill>
+            </a:endParaRPr>
+          </a:p>
+          <a:p>
+            <a:r>
+              <a:rPr lang="de-DE" dirty="0" smtClean="0">
+                <a:solidFill>
+                  <a:schemeClr val="accent2">
+                    <a:lumMod val="20000"/>
+                    <a:lumOff val="80000"/>
+                  </a:schemeClr>
+                </a:solidFill>
+              </a:rPr>
+              <a:t>Kompassdaten über I2C</a:t>
+            </a:r>
+          </a:p>
+          <a:p>
+            <a:pPr lvl="1"/>
+            <a:r>
+              <a:rPr lang="de-DE" dirty="0" smtClean="0">
+                <a:solidFill>
+                  <a:schemeClr val="accent2">
+                    <a:lumMod val="20000"/>
+                    <a:lumOff val="80000"/>
+                  </a:schemeClr>
+                </a:solidFill>
+              </a:rPr>
+              <a:t>Auslesen der Orientierung des Roboters</a:t>
+            </a:r>
+            <a:endParaRPr lang="de-DE" dirty="0" smtClean="0">
+              <a:solidFill>
+                <a:schemeClr val="accent2">
+                  <a:lumMod val="20000"/>
+                  <a:lumOff val="80000"/>
+                </a:schemeClr>
+              </a:solidFill>
+            </a:endParaRPr>
           </a:p>
         </p:txBody>
       </p:sp>
@@ -8159,7 +8111,7 @@
   <p:timing>
     <p:tnLst>
       <p:par>
-        <p:cTn id="1" dur="indefinite" restart="never" nodeType="tmRoot"/>
+        <p:cTn xmlns:p14="http://schemas.microsoft.com/office/powerpoint/2010/main" id="1" dur="indefinite" restart="never" nodeType="tmRoot"/>
       </p:par>
     </p:tnLst>
   </p:timing>
@@ -8185,49 +8137,7 @@
       </p:grpSpPr>
       <p:sp>
         <p:nvSpPr>
-          <p:cNvPr id="2" name="Titel 1"/>
-          <p:cNvSpPr>
-            <a:spLocks noGrp="1"/>
-          </p:cNvSpPr>
-          <p:nvPr>
-            <p:ph type="title"/>
-          </p:nvPr>
-        </p:nvSpPr>
-        <p:spPr/>
-        <p:txBody>
-          <a:bodyPr/>
-          <a:lstStyle/>
-          <a:p>
-            <a:r>
-              <a:rPr lang="de-DE" dirty="0" smtClean="0"/>
-              <a:t>Hinderniserkennung</a:t>
-            </a:r>
-            <a:endParaRPr lang="de-DE" dirty="0"/>
-          </a:p>
-        </p:txBody>
-      </p:sp>
-      <p:sp>
-        <p:nvSpPr>
-          <p:cNvPr id="3" name="Inhaltsplatzhalter 2"/>
-          <p:cNvSpPr>
-            <a:spLocks noGrp="1"/>
-          </p:cNvSpPr>
-          <p:nvPr>
-            <p:ph idx="1"/>
-          </p:nvPr>
-        </p:nvSpPr>
-        <p:spPr/>
-        <p:txBody>
-          <a:bodyPr/>
-          <a:lstStyle/>
-          <a:p>
-            <a:endParaRPr lang="de-DE" dirty="0"/>
-          </a:p>
-        </p:txBody>
-      </p:sp>
-      <p:sp>
-        <p:nvSpPr>
-          <p:cNvPr id="4" name="Foliennummernplatzhalter 3"/>
+          <p:cNvPr id="4" name="Slide Number Placeholder 3"/>
           <p:cNvSpPr>
             <a:spLocks noGrp="1"/>
           </p:cNvSpPr>
@@ -8243,6 +8153,154 @@
             <a:fld id="{E81C4A6D-0315-4A09-8D5A-3A65F767D07B}" type="slidenum">
               <a:rPr lang="de-DE" smtClean="0"/>
               <a:t>16</a:t>
+            </a:fld>
+            <a:endParaRPr lang="de-DE"/>
+          </a:p>
+        </p:txBody>
+      </p:sp>
+      <p:pic>
+        <p:nvPicPr>
+          <p:cNvPr id="5" name="Picture 4" descr="Navigation-01.png"/>
+          <p:cNvPicPr>
+            <a:picLocks noChangeAspect="1"/>
+          </p:cNvPicPr>
+          <p:nvPr/>
+        </p:nvPicPr>
+        <p:blipFill>
+          <a:blip r:embed="rId2">
+            <a:extLst>
+              <a:ext uri="{28A0092B-C50C-407E-A947-70E740481C1C}">
+                <a14:useLocalDpi xmlns:a14="http://schemas.microsoft.com/office/drawing/2010/main" val="0"/>
+              </a:ext>
+            </a:extLst>
+          </a:blip>
+          <a:stretch>
+            <a:fillRect/>
+          </a:stretch>
+        </p:blipFill>
+        <p:spPr>
+          <a:xfrm>
+            <a:off x="0" y="-1"/>
+            <a:ext cx="9144000" cy="6858001"/>
+          </a:xfrm>
+          <a:prstGeom prst="rect">
+            <a:avLst/>
+          </a:prstGeom>
+        </p:spPr>
+      </p:pic>
+      <p:sp>
+        <p:nvSpPr>
+          <p:cNvPr id="2" name="Title 1"/>
+          <p:cNvSpPr>
+            <a:spLocks noGrp="1"/>
+          </p:cNvSpPr>
+          <p:nvPr>
+            <p:ph type="title"/>
+          </p:nvPr>
+        </p:nvSpPr>
+        <p:spPr/>
+        <p:txBody>
+          <a:bodyPr/>
+          <a:lstStyle/>
+          <a:p>
+            <a:r>
+              <a:rPr lang="en-US" dirty="0" smtClean="0"/>
+              <a:t>Navigation</a:t>
+            </a:r>
+            <a:endParaRPr lang="en-US" dirty="0"/>
+          </a:p>
+        </p:txBody>
+      </p:sp>
+    </p:spTree>
+    <p:extLst>
+      <p:ext uri="{BB962C8B-B14F-4D97-AF65-F5344CB8AC3E}">
+        <p14:creationId xmlns:p14="http://schemas.microsoft.com/office/powerpoint/2010/main" val="1309016666"/>
+      </p:ext>
+    </p:extLst>
+  </p:cSld>
+  <p:clrMapOvr>
+    <a:masterClrMapping/>
+  </p:clrMapOvr>
+</p:sld>
+</file>
+
+<file path=ppt/slides/slide17.xml><?xml version="1.0" encoding="utf-8"?>
+<p:sld xmlns:a="http://schemas.openxmlformats.org/drawingml/2006/main" xmlns:r="http://schemas.openxmlformats.org/officeDocument/2006/relationships" xmlns:p="http://schemas.openxmlformats.org/presentationml/2006/main">
+  <p:cSld>
+    <p:spTree>
+      <p:nvGrpSpPr>
+        <p:cNvPr id="1" name=""/>
+        <p:cNvGrpSpPr/>
+        <p:nvPr/>
+      </p:nvGrpSpPr>
+      <p:grpSpPr>
+        <a:xfrm>
+          <a:off x="0" y="0"/>
+          <a:ext cx="0" cy="0"/>
+          <a:chOff x="0" y="0"/>
+          <a:chExt cx="0" cy="0"/>
+        </a:xfrm>
+      </p:grpSpPr>
+      <p:sp>
+        <p:nvSpPr>
+          <p:cNvPr id="2" name="Titel 1"/>
+          <p:cNvSpPr>
+            <a:spLocks noGrp="1"/>
+          </p:cNvSpPr>
+          <p:nvPr>
+            <p:ph type="title"/>
+          </p:nvPr>
+        </p:nvSpPr>
+        <p:spPr/>
+        <p:txBody>
+          <a:bodyPr/>
+          <a:lstStyle/>
+          <a:p>
+            <a:r>
+              <a:rPr lang="de-DE" dirty="0" smtClean="0"/>
+              <a:t>Hinderniserkennung</a:t>
+            </a:r>
+            <a:endParaRPr lang="de-DE" dirty="0"/>
+          </a:p>
+        </p:txBody>
+      </p:sp>
+      <p:sp>
+        <p:nvSpPr>
+          <p:cNvPr id="3" name="Inhaltsplatzhalter 2"/>
+          <p:cNvSpPr>
+            <a:spLocks noGrp="1"/>
+          </p:cNvSpPr>
+          <p:nvPr>
+            <p:ph idx="1"/>
+          </p:nvPr>
+        </p:nvSpPr>
+        <p:spPr/>
+        <p:txBody>
+          <a:bodyPr/>
+          <a:lstStyle/>
+          <a:p>
+            <a:endParaRPr lang="de-DE" dirty="0"/>
+          </a:p>
+        </p:txBody>
+      </p:sp>
+      <p:sp>
+        <p:nvSpPr>
+          <p:cNvPr id="4" name="Foliennummernplatzhalter 3"/>
+          <p:cNvSpPr>
+            <a:spLocks noGrp="1"/>
+          </p:cNvSpPr>
+          <p:nvPr>
+            <p:ph type="sldNum" sz="quarter" idx="12"/>
+          </p:nvPr>
+        </p:nvSpPr>
+        <p:spPr/>
+        <p:txBody>
+          <a:bodyPr/>
+          <a:lstStyle/>
+          <a:p>
+            <a:fld id="{E81C4A6D-0315-4A09-8D5A-3A65F767D07B}" type="slidenum">
+              <a:rPr lang="de-DE" smtClean="0"/>
+              <a:t>17</a:t>
             </a:fld>
             <a:endParaRPr lang="de-DE"/>
           </a:p>
@@ -8256,14 +8314,14 @@
   <p:timing>
     <p:tnLst>
       <p:par>
-        <p:cTn id="1" dur="indefinite" restart="never" nodeType="tmRoot"/>
+        <p:cTn xmlns:p14="http://schemas.microsoft.com/office/powerpoint/2010/main" id="1" dur="indefinite" restart="never" nodeType="tmRoot"/>
       </p:par>
     </p:tnLst>
   </p:timing>
 </p:sld>
 </file>
 
-<file path=ppt/slides/slide17.xml><?xml version="1.0" encoding="utf-8"?>
+<file path=ppt/slides/slide18.xml><?xml version="1.0" encoding="utf-8"?>
 <p:sld xmlns:a="http://schemas.openxmlformats.org/drawingml/2006/main" xmlns:r="http://schemas.openxmlformats.org/officeDocument/2006/relationships" xmlns:p="http://schemas.openxmlformats.org/presentationml/2006/main">
   <p:cSld>
     <p:spTree>
@@ -8365,7 +8423,7 @@
           <a:p>
             <a:fld id="{E81C4A6D-0315-4A09-8D5A-3A65F767D07B}" type="slidenum">
               <a:rPr lang="de-DE" smtClean="0"/>
-              <a:t>17</a:t>
+              <a:t>18</a:t>
             </a:fld>
             <a:endParaRPr lang="de-DE"/>
           </a:p>
@@ -8379,233 +8437,7 @@
   <p:timing>
     <p:tnLst>
       <p:par>
-        <p:cTn id="1" dur="indefinite" restart="never" nodeType="tmRoot"/>
-      </p:par>
-    </p:tnLst>
-  </p:timing>
-</p:sld>
-</file>
-
-<file path=ppt/slides/slide18.xml><?xml version="1.0" encoding="utf-8"?>
-<p:sld xmlns:a="http://schemas.openxmlformats.org/drawingml/2006/main" xmlns:r="http://schemas.openxmlformats.org/officeDocument/2006/relationships" xmlns:p="http://schemas.openxmlformats.org/presentationml/2006/main">
-  <p:cSld>
-    <p:spTree>
-      <p:nvGrpSpPr>
-        <p:cNvPr id="1" name=""/>
-        <p:cNvGrpSpPr/>
-        <p:nvPr/>
-      </p:nvGrpSpPr>
-      <p:grpSpPr>
-        <a:xfrm>
-          <a:off x="0" y="0"/>
-          <a:ext cx="0" cy="0"/>
-          <a:chOff x="0" y="0"/>
-          <a:chExt cx="0" cy="0"/>
-        </a:xfrm>
-      </p:grpSpPr>
-      <p:sp>
-        <p:nvSpPr>
-          <p:cNvPr id="2" name="Titel 1"/>
-          <p:cNvSpPr>
-            <a:spLocks noGrp="1"/>
-          </p:cNvSpPr>
-          <p:nvPr>
-            <p:ph type="title"/>
-          </p:nvPr>
-        </p:nvSpPr>
-        <p:spPr/>
-        <p:txBody>
-          <a:bodyPr/>
-          <a:lstStyle/>
-          <a:p>
-            <a:r>
-              <a:rPr lang="de-DE" dirty="0" smtClean="0"/>
-              <a:t>Aufgetretene Probleme</a:t>
-            </a:r>
-            <a:endParaRPr lang="de-DE" dirty="0"/>
-          </a:p>
-        </p:txBody>
-      </p:sp>
-      <p:sp>
-        <p:nvSpPr>
-          <p:cNvPr id="3" name="Inhaltsplatzhalter 2"/>
-          <p:cNvSpPr>
-            <a:spLocks noGrp="1"/>
-          </p:cNvSpPr>
-          <p:nvPr>
-            <p:ph idx="1"/>
-          </p:nvPr>
-        </p:nvSpPr>
-        <p:spPr/>
-        <p:txBody>
-          <a:bodyPr>
-            <a:normAutofit fontScale="92500" lnSpcReduction="20000"/>
-          </a:bodyPr>
-          <a:lstStyle/>
-          <a:p>
-            <a:r>
-              <a:rPr lang="de-DE" dirty="0" smtClean="0">
-                <a:solidFill>
-                  <a:schemeClr val="accent2">
-                    <a:lumMod val="20000"/>
-                    <a:lumOff val="80000"/>
-                  </a:schemeClr>
-                </a:solidFill>
-              </a:rPr>
-              <a:t>ATmega168 reagierte nicht auf Befehle des Pis</a:t>
-            </a:r>
-          </a:p>
-          <a:p>
-            <a:endParaRPr lang="de-DE" dirty="0" smtClean="0">
-              <a:solidFill>
-                <a:schemeClr val="accent2">
-                  <a:lumMod val="20000"/>
-                  <a:lumOff val="80000"/>
-                </a:schemeClr>
-              </a:solidFill>
-            </a:endParaRPr>
-          </a:p>
-          <a:p>
-            <a:r>
-              <a:rPr lang="de-DE" dirty="0" smtClean="0">
-                <a:solidFill>
-                  <a:schemeClr val="accent2">
-                    <a:lumMod val="20000"/>
-                    <a:lumOff val="80000"/>
-                  </a:schemeClr>
-                </a:solidFill>
-              </a:rPr>
-              <a:t>Kompass gab unzuverlässige Daten aus</a:t>
-            </a:r>
-          </a:p>
-          <a:p>
-            <a:pPr lvl="1">
-              <a:buFont typeface="Wingdings"/>
-              <a:buChar char="à"/>
-            </a:pPr>
-            <a:r>
-              <a:rPr lang="de-DE" dirty="0" smtClean="0">
-                <a:solidFill>
-                  <a:schemeClr val="accent2">
-                    <a:lumMod val="20000"/>
-                    <a:lumOff val="80000"/>
-                  </a:schemeClr>
-                </a:solidFill>
-                <a:sym typeface="Wingdings" pitchFamily="2" charset="2"/>
-              </a:rPr>
-              <a:t>GPS-Modul auf Stange befestigt</a:t>
-            </a:r>
-          </a:p>
-          <a:p>
-            <a:pPr lvl="1">
-              <a:buFont typeface="Wingdings"/>
-              <a:buChar char="à"/>
-            </a:pPr>
-            <a:endParaRPr lang="de-DE" dirty="0" smtClean="0">
-              <a:solidFill>
-                <a:schemeClr val="accent2">
-                  <a:lumMod val="20000"/>
-                  <a:lumOff val="80000"/>
-                </a:schemeClr>
-              </a:solidFill>
-              <a:sym typeface="Wingdings" pitchFamily="2" charset="2"/>
-            </a:endParaRPr>
-          </a:p>
-          <a:p>
-            <a:r>
-              <a:rPr lang="de-DE" dirty="0" smtClean="0">
-                <a:solidFill>
-                  <a:schemeClr val="accent2">
-                    <a:lumMod val="20000"/>
-                    <a:lumOff val="80000"/>
-                  </a:schemeClr>
-                </a:solidFill>
-                <a:sym typeface="Wingdings" pitchFamily="2" charset="2"/>
-              </a:rPr>
-              <a:t>Ultraschallsensoren sahen Boden als Hindernis</a:t>
-            </a:r>
-          </a:p>
-          <a:p>
-            <a:pPr lvl="1">
-              <a:buFont typeface="Wingdings"/>
-              <a:buChar char="à"/>
-            </a:pPr>
-            <a:r>
-              <a:rPr lang="de-DE" dirty="0" smtClean="0">
-                <a:solidFill>
-                  <a:schemeClr val="accent2">
-                    <a:lumMod val="20000"/>
-                    <a:lumOff val="80000"/>
-                  </a:schemeClr>
-                </a:solidFill>
-                <a:sym typeface="Wingdings" pitchFamily="2" charset="2"/>
-              </a:rPr>
-              <a:t>mit Podest erhöht &amp; leicht nach oben geneigt</a:t>
-            </a:r>
-          </a:p>
-          <a:p>
-            <a:pPr lvl="1">
-              <a:buFont typeface="Wingdings"/>
-              <a:buChar char="à"/>
-            </a:pPr>
-            <a:endParaRPr lang="de-DE" dirty="0" smtClean="0">
-              <a:solidFill>
-                <a:schemeClr val="accent2">
-                  <a:lumMod val="20000"/>
-                  <a:lumOff val="80000"/>
-                </a:schemeClr>
-              </a:solidFill>
-              <a:sym typeface="Wingdings" pitchFamily="2" charset="2"/>
-            </a:endParaRPr>
-          </a:p>
-          <a:p>
-            <a:r>
-              <a:rPr lang="de-DE" dirty="0" smtClean="0">
-                <a:solidFill>
-                  <a:schemeClr val="accent2">
-                    <a:lumMod val="20000"/>
-                    <a:lumOff val="80000"/>
-                  </a:schemeClr>
-                </a:solidFill>
-                <a:sym typeface="Wingdings" pitchFamily="2" charset="2"/>
-              </a:rPr>
-              <a:t>Zusammenspiel von Navigationsfunktion und Hinderniserkennung brachte schlechte Ergebnisse</a:t>
-            </a:r>
-          </a:p>
-        </p:txBody>
-      </p:sp>
-      <p:sp>
-        <p:nvSpPr>
-          <p:cNvPr id="4" name="Foliennummernplatzhalter 3"/>
-          <p:cNvSpPr>
-            <a:spLocks noGrp="1"/>
-          </p:cNvSpPr>
-          <p:nvPr>
-            <p:ph type="sldNum" sz="quarter" idx="12"/>
-          </p:nvPr>
-        </p:nvSpPr>
-        <p:spPr/>
-        <p:txBody>
-          <a:bodyPr/>
-          <a:lstStyle/>
-          <a:p>
-            <a:fld id="{E81C4A6D-0315-4A09-8D5A-3A65F767D07B}" type="slidenum">
-              <a:rPr lang="de-DE" smtClean="0"/>
-              <a:t>18</a:t>
-            </a:fld>
-            <a:endParaRPr lang="de-DE"/>
-          </a:p>
-        </p:txBody>
-      </p:sp>
-    </p:spTree>
-  </p:cSld>
-  <p:clrMapOvr>
-    <a:masterClrMapping/>
-  </p:clrMapOvr>
-  <p:timing>
-    <p:tnLst>
-      <p:par>
-        <p:cTn id="1" dur="indefinite" restart="never" nodeType="tmRoot"/>
+        <p:cTn xmlns:p14="http://schemas.microsoft.com/office/powerpoint/2010/main" id="1" dur="indefinite" restart="never" nodeType="tmRoot"/>
       </p:par>
     </p:tnLst>
   </p:timing>
@@ -8646,7 +8478,7 @@
           <a:p>
             <a:r>
               <a:rPr lang="de-DE" dirty="0" smtClean="0"/>
-              <a:t>Ausblick</a:t>
+              <a:t>Aufgetretene Probleme</a:t>
             </a:r>
             <a:endParaRPr lang="de-DE" dirty="0"/>
           </a:p>
@@ -8664,11 +8496,68 @@
         </p:nvSpPr>
         <p:spPr/>
         <p:txBody>
-          <a:bodyPr/>
+          <a:bodyPr>
+            <a:normAutofit fontScale="92500" lnSpcReduction="20000"/>
+          </a:bodyPr>
           <a:lstStyle/>
           <a:p>
-            <a:pPr>
-              <a:buNone/>
+            <a:r>
+              <a:rPr lang="de-DE" dirty="0" smtClean="0">
+                <a:solidFill>
+                  <a:schemeClr val="accent2">
+                    <a:lumMod val="20000"/>
+                    <a:lumOff val="80000"/>
+                  </a:schemeClr>
+                </a:solidFill>
+              </a:rPr>
+              <a:t>ATmega168 reagierte nicht auf Befehle des Pis</a:t>
+            </a:r>
+          </a:p>
+          <a:p>
+            <a:endParaRPr lang="de-DE" dirty="0" smtClean="0">
+              <a:solidFill>
+                <a:schemeClr val="accent2">
+                  <a:lumMod val="20000"/>
+                  <a:lumOff val="80000"/>
+                </a:schemeClr>
+              </a:solidFill>
+            </a:endParaRPr>
+          </a:p>
+          <a:p>
+            <a:r>
+              <a:rPr lang="de-DE" dirty="0" smtClean="0">
+                <a:solidFill>
+                  <a:schemeClr val="accent2">
+                    <a:lumMod val="20000"/>
+                    <a:lumOff val="80000"/>
+                  </a:schemeClr>
+                </a:solidFill>
+              </a:rPr>
+              <a:t>Kompass gab unzuverlässige Daten aus</a:t>
+            </a:r>
+          </a:p>
+          <a:p>
+            <a:pPr lvl="1">
+              <a:buFont typeface="Wingdings"/>
+              <a:buChar char="à"/>
+            </a:pPr>
+            <a:r>
+              <a:rPr lang="de-DE" dirty="0" smtClean="0">
+                <a:solidFill>
+                  <a:schemeClr val="accent2">
+                    <a:lumMod val="20000"/>
+                    <a:lumOff val="80000"/>
+                  </a:schemeClr>
+                </a:solidFill>
+                <a:sym typeface="Wingdings" pitchFamily="2" charset="2"/>
+              </a:rPr>
+              <a:t>GPS-Modul auf Stange befestigt</a:t>
+            </a:r>
+          </a:p>
+          <a:p>
+            <a:pPr lvl="1">
+              <a:buFont typeface="Wingdings"/>
+              <a:buChar char="à"/>
             </a:pPr>
             <a:endParaRPr lang="de-DE" dirty="0" smtClean="0">
               <a:solidFill>
@@ -8677,6 +8566,7 @@
                   <a:lumOff val="80000"/>
                 </a:schemeClr>
               </a:solidFill>
+              <a:sym typeface="Wingdings" pitchFamily="2" charset="2"/>
             </a:endParaRPr>
           </a:p>
           <a:p>
@@ -8688,9 +8578,34 @@
                     <a:lumOff val="80000"/>
                   </a:schemeClr>
                 </a:solidFill>
-              </a:rPr>
-              <a:t>Erweiterung des Projekts durch:</a:t>
-            </a:r>
+                <a:sym typeface="Wingdings" pitchFamily="2" charset="2"/>
+              </a:rPr>
+              <a:t>Ultraschallsensoren sahen Boden als Hindernis</a:t>
+            </a:r>
+          </a:p>
+          <a:p>
+            <a:pPr lvl="1">
+              <a:buFont typeface="Wingdings"/>
+              <a:buChar char="à"/>
+            </a:pPr>
+            <a:r>
+              <a:rPr lang="de-DE" dirty="0" smtClean="0">
+                <a:solidFill>
+                  <a:schemeClr val="accent2">
+                    <a:lumMod val="20000"/>
+                    <a:lumOff val="80000"/>
+                  </a:schemeClr>
+                </a:solidFill>
+                <a:sym typeface="Wingdings" pitchFamily="2" charset="2"/>
+              </a:rPr>
+              <a:t>mit Podest erhöht &amp; leicht nach oben geneigt</a:t>
+            </a:r>
+          </a:p>
+          <a:p>
+            <a:pPr lvl="1">
+              <a:buFont typeface="Wingdings"/>
+              <a:buChar char="à"/>
+            </a:pPr>
             <a:endParaRPr lang="de-DE" dirty="0" smtClean="0">
               <a:solidFill>
                 <a:schemeClr val="accent2">
@@ -8698,10 +8613,10 @@
                   <a:lumOff val="80000"/>
                 </a:schemeClr>
               </a:solidFill>
+              <a:sym typeface="Wingdings" pitchFamily="2" charset="2"/>
             </a:endParaRPr>
           </a:p>
           <a:p>
-            <a:pPr lvl="1"/>
             <a:r>
               <a:rPr lang="de-DE" dirty="0" smtClean="0">
                 <a:solidFill>
@@ -8710,45 +8625,10 @@
                     <a:lumOff val="80000"/>
                   </a:schemeClr>
                 </a:solidFill>
-              </a:rPr>
-              <a:t>Hinderniserkennung über Kamera</a:t>
-            </a:r>
-          </a:p>
-          <a:p>
-            <a:pPr lvl="1"/>
-            <a:r>
-              <a:rPr lang="de-DE" dirty="0" smtClean="0">
-                <a:solidFill>
-                  <a:schemeClr val="accent2">
-                    <a:lumMod val="20000"/>
-                    <a:lumOff val="80000"/>
-                  </a:schemeClr>
-                </a:solidFill>
-              </a:rPr>
-              <a:t>Routenplanung</a:t>
-            </a:r>
-          </a:p>
-          <a:p>
-            <a:pPr lvl="1"/>
-            <a:r>
-              <a:rPr lang="de-DE" dirty="0" smtClean="0">
-                <a:solidFill>
-                  <a:schemeClr val="accent2">
-                    <a:lumMod val="20000"/>
-                    <a:lumOff val="80000"/>
-                  </a:schemeClr>
-                </a:solidFill>
-              </a:rPr>
-              <a:t>Geschwindigkeitsmodulation</a:t>
-            </a:r>
-            <a:endParaRPr lang="de-DE" dirty="0">
-              <a:solidFill>
-                <a:schemeClr val="accent2">
-                  <a:lumMod val="20000"/>
-                  <a:lumOff val="80000"/>
-                </a:schemeClr>
-              </a:solidFill>
-            </a:endParaRPr>
+                <a:sym typeface="Wingdings" pitchFamily="2" charset="2"/>
+              </a:rPr>
+              <a:t>Zusammenspiel von Navigationsfunktion und Hinderniserkennung brachte schlechte Ergebnisse</a:t>
+            </a:r>
           </a:p>
         </p:txBody>
       </p:sp>
@@ -8783,7 +8663,7 @@
   <p:timing>
     <p:tnLst>
       <p:par>
-        <p:cTn id="1" dur="indefinite" restart="never" nodeType="tmRoot"/>
+        <p:cTn xmlns:p14="http://schemas.microsoft.com/office/powerpoint/2010/main" id="1" dur="indefinite" restart="never" nodeType="tmRoot"/>
       </p:par>
     </p:tnLst>
   </p:timing>
@@ -9017,7 +8897,7 @@
   <p:timing>
     <p:tnLst>
       <p:par>
-        <p:cTn id="1" dur="indefinite" restart="never" nodeType="tmRoot"/>
+        <p:cTn xmlns:p14="http://schemas.microsoft.com/office/powerpoint/2010/main" id="1" dur="indefinite" restart="never" nodeType="tmRoot"/>
       </p:par>
     </p:tnLst>
   </p:timing>
@@ -9048,6 +8928,176 @@
             <a:spLocks noGrp="1"/>
           </p:cNvSpPr>
           <p:nvPr>
+            <p:ph type="title"/>
+          </p:nvPr>
+        </p:nvSpPr>
+        <p:spPr/>
+        <p:txBody>
+          <a:bodyPr/>
+          <a:lstStyle/>
+          <a:p>
+            <a:r>
+              <a:rPr lang="de-DE" dirty="0" smtClean="0"/>
+              <a:t>Ausblick</a:t>
+            </a:r>
+            <a:endParaRPr lang="de-DE" dirty="0"/>
+          </a:p>
+        </p:txBody>
+      </p:sp>
+      <p:sp>
+        <p:nvSpPr>
+          <p:cNvPr id="3" name="Inhaltsplatzhalter 2"/>
+          <p:cNvSpPr>
+            <a:spLocks noGrp="1"/>
+          </p:cNvSpPr>
+          <p:nvPr>
+            <p:ph idx="1"/>
+          </p:nvPr>
+        </p:nvSpPr>
+        <p:spPr/>
+        <p:txBody>
+          <a:bodyPr/>
+          <a:lstStyle/>
+          <a:p>
+            <a:pPr>
+              <a:buNone/>
+            </a:pPr>
+            <a:endParaRPr lang="de-DE" dirty="0" smtClean="0">
+              <a:solidFill>
+                <a:schemeClr val="accent2">
+                  <a:lumMod val="20000"/>
+                  <a:lumOff val="80000"/>
+                </a:schemeClr>
+              </a:solidFill>
+            </a:endParaRPr>
+          </a:p>
+          <a:p>
+            <a:r>
+              <a:rPr lang="de-DE" dirty="0" smtClean="0">
+                <a:solidFill>
+                  <a:schemeClr val="accent2">
+                    <a:lumMod val="20000"/>
+                    <a:lumOff val="80000"/>
+                  </a:schemeClr>
+                </a:solidFill>
+              </a:rPr>
+              <a:t>Erweiterung des Projekts durch:</a:t>
+            </a:r>
+          </a:p>
+          <a:p>
+            <a:pPr lvl="1"/>
+            <a:r>
+              <a:rPr lang="de-DE" dirty="0" smtClean="0">
+                <a:solidFill>
+                  <a:schemeClr val="accent2">
+                    <a:lumMod val="20000"/>
+                    <a:lumOff val="80000"/>
+                  </a:schemeClr>
+                </a:solidFill>
+              </a:rPr>
+              <a:t>Hinderniserkennung über Kamera</a:t>
+            </a:r>
+          </a:p>
+          <a:p>
+            <a:pPr lvl="1"/>
+            <a:r>
+              <a:rPr lang="de-DE" dirty="0" smtClean="0">
+                <a:solidFill>
+                  <a:schemeClr val="accent2">
+                    <a:lumMod val="20000"/>
+                    <a:lumOff val="80000"/>
+                  </a:schemeClr>
+                </a:solidFill>
+              </a:rPr>
+              <a:t>Routenplanung</a:t>
+            </a:r>
+          </a:p>
+          <a:p>
+            <a:pPr lvl="1"/>
+            <a:r>
+              <a:rPr lang="de-DE" dirty="0" smtClean="0">
+                <a:solidFill>
+                  <a:schemeClr val="accent2">
+                    <a:lumMod val="20000"/>
+                    <a:lumOff val="80000"/>
+                  </a:schemeClr>
+                </a:solidFill>
+              </a:rPr>
+              <a:t>Geschwindigkeitsmodulation</a:t>
+            </a:r>
+            <a:endParaRPr lang="de-DE" dirty="0">
+              <a:solidFill>
+                <a:schemeClr val="accent2">
+                  <a:lumMod val="20000"/>
+                  <a:lumOff val="80000"/>
+                </a:schemeClr>
+              </a:solidFill>
+            </a:endParaRPr>
+          </a:p>
+        </p:txBody>
+      </p:sp>
+      <p:sp>
+        <p:nvSpPr>
+          <p:cNvPr id="4" name="Foliennummernplatzhalter 3"/>
+          <p:cNvSpPr>
+            <a:spLocks noGrp="1"/>
+          </p:cNvSpPr>
+          <p:nvPr>
+            <p:ph type="sldNum" sz="quarter" idx="12"/>
+          </p:nvPr>
+        </p:nvSpPr>
+        <p:spPr/>
+        <p:txBody>
+          <a:bodyPr/>
+          <a:lstStyle/>
+          <a:p>
+            <a:fld id="{E81C4A6D-0315-4A09-8D5A-3A65F767D07B}" type="slidenum">
+              <a:rPr lang="de-DE" smtClean="0"/>
+              <a:t>20</a:t>
+            </a:fld>
+            <a:endParaRPr lang="de-DE"/>
+          </a:p>
+        </p:txBody>
+      </p:sp>
+    </p:spTree>
+  </p:cSld>
+  <p:clrMapOvr>
+    <a:masterClrMapping/>
+  </p:clrMapOvr>
+  <p:timing>
+    <p:tnLst>
+      <p:par>
+        <p:cTn xmlns:p14="http://schemas.microsoft.com/office/powerpoint/2010/main" id="1" dur="indefinite" restart="never" nodeType="tmRoot"/>
+      </p:par>
+    </p:tnLst>
+  </p:timing>
+</p:sld>
+</file>
+
+<file path=ppt/slides/slide21.xml><?xml version="1.0" encoding="utf-8"?>
+<p:sld xmlns:a="http://schemas.openxmlformats.org/drawingml/2006/main" xmlns:r="http://schemas.openxmlformats.org/officeDocument/2006/relationships" xmlns:p="http://schemas.openxmlformats.org/presentationml/2006/main">
+  <p:cSld>
+    <p:spTree>
+      <p:nvGrpSpPr>
+        <p:cNvPr id="1" name=""/>
+        <p:cNvGrpSpPr/>
+        <p:nvPr/>
+      </p:nvGrpSpPr>
+      <p:grpSpPr>
+        <a:xfrm>
+          <a:off x="0" y="0"/>
+          <a:ext cx="0" cy="0"/>
+          <a:chOff x="0" y="0"/>
+          <a:chExt cx="0" cy="0"/>
+        </a:xfrm>
+      </p:grpSpPr>
+      <p:sp>
+        <p:nvSpPr>
+          <p:cNvPr id="2" name="Titel 1"/>
+          <p:cNvSpPr>
+            <a:spLocks noGrp="1"/>
+          </p:cNvSpPr>
+          <p:nvPr>
             <p:ph type="ctrTitle"/>
           </p:nvPr>
         </p:nvSpPr>
@@ -9087,7 +9137,7 @@
           <a:p>
             <a:fld id="{E81C4A6D-0315-4A09-8D5A-3A65F767D07B}" type="slidenum">
               <a:rPr lang="de-DE" smtClean="0"/>
-              <a:t>20</a:t>
+              <a:t>21</a:t>
             </a:fld>
             <a:endParaRPr lang="de-DE"/>
           </a:p>
@@ -9256,7 +9306,7 @@
   <p:timing>
     <p:tnLst>
       <p:par>
-        <p:cTn id="1" dur="indefinite" restart="never" nodeType="tmRoot"/>
+        <p:cTn xmlns:p14="http://schemas.microsoft.com/office/powerpoint/2010/main" id="1" dur="indefinite" restart="never" nodeType="tmRoot"/>
       </p:par>
     </p:tnLst>
   </p:timing>
@@ -9551,7 +9601,7 @@
   <p:timing>
     <p:tnLst>
       <p:par>
-        <p:cTn id="1" dur="indefinite" restart="never" nodeType="tmRoot"/>
+        <p:cTn xmlns:p14="http://schemas.microsoft.com/office/powerpoint/2010/main" id="1" dur="indefinite" restart="never" nodeType="tmRoot"/>
       </p:par>
     </p:tnLst>
   </p:timing>
@@ -9773,7 +9823,7 @@
   <p:timing>
     <p:tnLst>
       <p:par>
-        <p:cTn id="1" dur="indefinite" restart="never" nodeType="tmRoot"/>
+        <p:cTn xmlns:p14="http://schemas.microsoft.com/office/powerpoint/2010/main" id="1" dur="indefinite" restart="never" nodeType="tmRoot"/>
       </p:par>
     </p:tnLst>
   </p:timing>
@@ -9857,29 +9907,7 @@
                   </a:schemeClr>
                 </a:solidFill>
               </a:rPr>
-              <a:t> </a:t>
-            </a:r>
-            <a:r>
-              <a:rPr lang="en-GB" dirty="0" smtClean="0">
-                <a:solidFill>
-                  <a:schemeClr val="accent2">
-                    <a:lumMod val="20000"/>
-                    <a:lumOff val="80000"/>
-                  </a:schemeClr>
-                </a:solidFill>
-              </a:rPr>
-              <a:t>Rhino III </a:t>
-            </a:r>
-            <a:r>
-              <a:rPr lang="en-GB" dirty="0" smtClean="0">
-                <a:solidFill>
-                  <a:schemeClr val="accent2">
-                    <a:lumMod val="20000"/>
-                    <a:lumOff val="80000"/>
-                  </a:schemeClr>
-                </a:solidFill>
-              </a:rPr>
-              <a:t>Brushed:</a:t>
+              <a:t> Rhino III Brushed:</a:t>
             </a:r>
           </a:p>
           <a:p>
@@ -10118,7 +10146,7 @@
   <p:timing>
     <p:tnLst>
       <p:par>
-        <p:cTn id="1" dur="indefinite" restart="never" nodeType="tmRoot"/>
+        <p:cTn xmlns:p14="http://schemas.microsoft.com/office/powerpoint/2010/main" id="1" dur="indefinite" restart="never" nodeType="tmRoot"/>
       </p:par>
     </p:tnLst>
   </p:timing>
@@ -10191,7 +10219,18 @@
                   </a:schemeClr>
                 </a:solidFill>
               </a:rPr>
-              <a:t>Raspberry </a:t>
+              <a:t>Raspberry Pi (</a:t>
+            </a:r>
+            <a:r>
+              <a:rPr lang="en-GB" dirty="0" err="1" smtClean="0">
+                <a:solidFill>
+                  <a:schemeClr val="accent2">
+                    <a:lumMod val="20000"/>
+                    <a:lumOff val="80000"/>
+                  </a:schemeClr>
+                </a:solidFill>
+              </a:rPr>
+              <a:t>Modell</a:t>
             </a:r>
             <a:r>
               <a:rPr lang="en-GB" dirty="0" smtClean="0">
@@ -10202,40 +10241,7 @@
                   </a:schemeClr>
                 </a:solidFill>
               </a:rPr>
-              <a:t>Pi (</a:t>
-            </a:r>
-            <a:r>
-              <a:rPr lang="en-GB" dirty="0" err="1" smtClean="0">
-                <a:solidFill>
-                  <a:schemeClr val="accent2">
-                    <a:lumMod val="20000"/>
-                    <a:lumOff val="80000"/>
-                  </a:schemeClr>
-                </a:solidFill>
-              </a:rPr>
-              <a:t>Modell</a:t>
-            </a:r>
-            <a:r>
-              <a:rPr lang="en-GB" dirty="0" smtClean="0">
-                <a:solidFill>
-                  <a:schemeClr val="accent2">
-                    <a:lumMod val="20000"/>
-                    <a:lumOff val="80000"/>
-                  </a:schemeClr>
-                </a:solidFill>
-              </a:rPr>
-              <a:t> B Rev. 1</a:t>
-            </a:r>
-            <a:r>
-              <a:rPr lang="en-GB" dirty="0" smtClean="0">
-                <a:solidFill>
-                  <a:schemeClr val="accent2">
-                    <a:lumMod val="20000"/>
-                    <a:lumOff val="80000"/>
-                  </a:schemeClr>
-                </a:solidFill>
-              </a:rPr>
-              <a:t>)</a:t>
+              <a:t> B Rev. 1)</a:t>
             </a:r>
           </a:p>
           <a:p>
@@ -10428,7 +10434,7 @@
   <p:timing>
     <p:tnLst>
       <p:par>
-        <p:cTn id="1" dur="indefinite" restart="never" nodeType="tmRoot"/>
+        <p:cTn xmlns:p14="http://schemas.microsoft.com/office/powerpoint/2010/main" id="1" dur="indefinite" restart="never" nodeType="tmRoot"/>
       </p:par>
     </p:tnLst>
   </p:timing>
@@ -10499,27 +10505,8 @@
                   </a:schemeClr>
                 </a:solidFill>
               </a:rPr>
-              <a:t>Ultraschall-Sensoren </a:t>
-            </a:r>
-            <a:r>
-              <a:rPr lang="de-DE" dirty="0" smtClean="0">
-                <a:solidFill>
-                  <a:schemeClr val="accent2">
-                    <a:lumMod val="20000"/>
-                    <a:lumOff val="80000"/>
-                  </a:schemeClr>
-                </a:solidFill>
-              </a:rPr>
-              <a:t>(Modell HC-SR04) </a:t>
-            </a:r>
-            <a:endParaRPr lang="de-DE" dirty="0" smtClean="0">
-              <a:solidFill>
-                <a:schemeClr val="accent2">
-                  <a:lumMod val="20000"/>
-                  <a:lumOff val="80000"/>
-                </a:schemeClr>
-              </a:solidFill>
-            </a:endParaRPr>
+              <a:t>Ultraschall-Sensoren (Modell HC-SR04) </a:t>
+            </a:r>
           </a:p>
           <a:p>
             <a:pPr lvl="2"/>
@@ -10679,7 +10666,7 @@
   <p:timing>
     <p:tnLst>
       <p:par>
-        <p:cTn id="1" dur="indefinite" restart="never" nodeType="tmRoot"/>
+        <p:cTn xmlns:p14="http://schemas.microsoft.com/office/powerpoint/2010/main" id="1" dur="indefinite" restart="never" nodeType="tmRoot"/>
       </p:par>
     </p:tnLst>
   </p:timing>
@@ -10750,7 +10737,18 @@
                   </a:schemeClr>
                 </a:solidFill>
               </a:rPr>
-              <a:t>GPS-Modul </a:t>
+              <a:t>GPS-Modul mit eingebautem Kompass (Modell </a:t>
+            </a:r>
+            <a:r>
+              <a:rPr lang="de-DE" dirty="0" err="1" smtClean="0">
+                <a:solidFill>
+                  <a:schemeClr val="accent2">
+                    <a:lumMod val="20000"/>
+                    <a:lumOff val="80000"/>
+                  </a:schemeClr>
+                </a:solidFill>
+              </a:rPr>
+              <a:t>ublox</a:t>
             </a:r>
             <a:r>
               <a:rPr lang="de-DE" dirty="0" smtClean="0">
@@ -10761,40 +10759,7 @@
                   </a:schemeClr>
                 </a:solidFill>
               </a:rPr>
-              <a:t>mit eingebautem Kompass (Modell </a:t>
-            </a:r>
-            <a:r>
-              <a:rPr lang="de-DE" dirty="0" err="1" smtClean="0">
-                <a:solidFill>
-                  <a:schemeClr val="accent2">
-                    <a:lumMod val="20000"/>
-                    <a:lumOff val="80000"/>
-                  </a:schemeClr>
-                </a:solidFill>
-              </a:rPr>
-              <a:t>ublox</a:t>
-            </a:r>
-            <a:r>
-              <a:rPr lang="de-DE" dirty="0" smtClean="0">
-                <a:solidFill>
-                  <a:schemeClr val="accent2">
-                    <a:lumMod val="20000"/>
-                    <a:lumOff val="80000"/>
-                  </a:schemeClr>
-                </a:solidFill>
-              </a:rPr>
-              <a:t> LEA-6H</a:t>
-            </a:r>
-            <a:r>
-              <a:rPr lang="de-DE" dirty="0" smtClean="0">
-                <a:solidFill>
-                  <a:schemeClr val="accent2">
-                    <a:lumMod val="20000"/>
-                    <a:lumOff val="80000"/>
-                  </a:schemeClr>
-                </a:solidFill>
-              </a:rPr>
-              <a:t>)</a:t>
+              <a:t> LEA-6H)</a:t>
             </a:r>
           </a:p>
           <a:p>
@@ -10905,7 +10870,7 @@
   <p:timing>
     <p:tnLst>
       <p:par>
-        <p:cTn id="1" dur="indefinite" restart="never" nodeType="tmRoot"/>
+        <p:cTn xmlns:p14="http://schemas.microsoft.com/office/powerpoint/2010/main" id="1" dur="indefinite" restart="never" nodeType="tmRoot"/>
       </p:par>
     </p:tnLst>
   </p:timing>

--- a/GPS auf Rädern.pptx
+++ b/GPS auf Rädern.pptx
@@ -5,7 +5,7 @@
     <p:sldMasterId id="2147483684" r:id="rId1"/>
   </p:sldMasterIdLst>
   <p:notesMasterIdLst>
-    <p:notesMasterId r:id="rId23"/>
+    <p:notesMasterId r:id="rId24"/>
   </p:notesMasterIdLst>
   <p:sldIdLst>
     <p:sldId id="256" r:id="rId2"/>
@@ -25,10 +25,11 @@
     <p:sldId id="271" r:id="rId16"/>
     <p:sldId id="278" r:id="rId17"/>
     <p:sldId id="272" r:id="rId18"/>
-    <p:sldId id="273" r:id="rId19"/>
-    <p:sldId id="275" r:id="rId20"/>
-    <p:sldId id="276" r:id="rId21"/>
-    <p:sldId id="277" r:id="rId22"/>
+    <p:sldId id="279" r:id="rId19"/>
+    <p:sldId id="273" r:id="rId20"/>
+    <p:sldId id="275" r:id="rId21"/>
+    <p:sldId id="276" r:id="rId22"/>
+    <p:sldId id="277" r:id="rId23"/>
   </p:sldIdLst>
   <p:sldSz cx="9144000" cy="6858000" type="screen4x3"/>
   <p:notesSz cx="6858000" cy="9144000"/>
@@ -8000,18 +8001,7 @@
                   </a:schemeClr>
                 </a:solidFill>
               </a:rPr>
-              <a:t>Mittelwertbildung </a:t>
-            </a:r>
-            <a:r>
-              <a:rPr lang="de-DE" dirty="0" smtClean="0">
-                <a:solidFill>
-                  <a:schemeClr val="accent2">
-                    <a:lumMod val="20000"/>
-                    <a:lumOff val="80000"/>
-                  </a:schemeClr>
-                </a:solidFill>
-              </a:rPr>
-              <a:t>über 3 </a:t>
+              <a:t>Mittelwertbildung über 3 </a:t>
             </a:r>
             <a:r>
               <a:rPr lang="de-DE" dirty="0" err="1" smtClean="0">
@@ -8069,14 +8059,6 @@
               </a:rPr>
               <a:t>Auslesen der Orientierung des Roboters</a:t>
             </a:r>
-            <a:endParaRPr lang="de-DE" dirty="0" smtClean="0">
-              <a:solidFill>
-                <a:schemeClr val="accent2">
-                  <a:lumMod val="20000"/>
-                  <a:lumOff val="80000"/>
-                </a:schemeClr>
-              </a:solidFill>
-            </a:endParaRPr>
           </a:p>
         </p:txBody>
       </p:sp>
@@ -8264,25 +8246,36 @@
           </a:p>
         </p:txBody>
       </p:sp>
-      <p:sp>
-        <p:nvSpPr>
-          <p:cNvPr id="3" name="Inhaltsplatzhalter 2"/>
-          <p:cNvSpPr>
-            <a:spLocks noGrp="1"/>
-          </p:cNvSpPr>
+      <p:pic>
+        <p:nvPicPr>
+          <p:cNvPr id="5" name="Content Placeholder 4" descr="Obstancle.png"/>
+          <p:cNvPicPr>
+            <a:picLocks noGrp="1" noChangeAspect="1"/>
+          </p:cNvPicPr>
           <p:nvPr>
             <p:ph idx="1"/>
           </p:nvPr>
-        </p:nvSpPr>
-        <p:spPr/>
-        <p:txBody>
-          <a:bodyPr/>
-          <a:lstStyle/>
-          <a:p>
-            <a:endParaRPr lang="de-DE" dirty="0"/>
-          </a:p>
-        </p:txBody>
-      </p:sp>
+        </p:nvPicPr>
+        <p:blipFill>
+          <a:blip r:embed="rId2" cstate="print">
+            <a:extLst>
+              <a:ext uri="{28A0092B-C50C-407E-A947-70E740481C1C}">
+                <a14:useLocalDpi xmlns:a14="http://schemas.microsoft.com/office/drawing/2010/main" val="0"/>
+              </a:ext>
+            </a:extLst>
+          </a:blip>
+          <a:srcRect t="17139" b="17139"/>
+          <a:stretch>
+            <a:fillRect/>
+          </a:stretch>
+        </p:blipFill>
+        <p:spPr>
+          <a:xfrm>
+            <a:off x="1043608" y="1916832"/>
+            <a:ext cx="6785722" cy="3814049"/>
+          </a:xfrm>
+        </p:spPr>
+      </p:pic>
       <p:sp>
         <p:nvSpPr>
           <p:cNvPr id="4" name="Foliennummernplatzhalter 3"/>
@@ -8340,6 +8333,225 @@
       </p:grpSpPr>
       <p:sp>
         <p:nvSpPr>
+          <p:cNvPr id="2" name="Title 1"/>
+          <p:cNvSpPr>
+            <a:spLocks noGrp="1"/>
+          </p:cNvSpPr>
+          <p:nvPr>
+            <p:ph type="title"/>
+          </p:nvPr>
+        </p:nvSpPr>
+        <p:spPr/>
+        <p:txBody>
+          <a:bodyPr/>
+          <a:lstStyle/>
+          <a:p>
+            <a:r>
+              <a:rPr lang="en-US" dirty="0" err="1" smtClean="0"/>
+              <a:t>Hinderniserkennung</a:t>
+            </a:r>
+            <a:endParaRPr lang="en-US" dirty="0"/>
+          </a:p>
+        </p:txBody>
+      </p:sp>
+      <p:sp>
+        <p:nvSpPr>
+          <p:cNvPr id="3" name="Content Placeholder 2"/>
+          <p:cNvSpPr>
+            <a:spLocks noGrp="1"/>
+          </p:cNvSpPr>
+          <p:nvPr>
+            <p:ph idx="1"/>
+          </p:nvPr>
+        </p:nvSpPr>
+        <p:spPr>
+          <a:xfrm>
+            <a:off x="457200" y="2852937"/>
+            <a:ext cx="8229600" cy="2470118"/>
+          </a:xfrm>
+        </p:spPr>
+        <p:txBody>
+          <a:bodyPr/>
+          <a:lstStyle/>
+          <a:p>
+            <a:r>
+              <a:rPr lang="en-US" dirty="0" err="1" smtClean="0">
+                <a:solidFill>
+                  <a:srgbClr val="F0F0F0"/>
+                </a:solidFill>
+              </a:rPr>
+              <a:t>Herausforderungen</a:t>
+            </a:r>
+            <a:r>
+              <a:rPr lang="en-US" dirty="0" smtClean="0">
+                <a:solidFill>
+                  <a:srgbClr val="F0F0F0"/>
+                </a:solidFill>
+              </a:rPr>
+              <a:t>:</a:t>
+            </a:r>
+          </a:p>
+          <a:p>
+            <a:pPr lvl="1"/>
+            <a:r>
+              <a:rPr lang="en-US" dirty="0" err="1" smtClean="0">
+                <a:solidFill>
+                  <a:srgbClr val="F0F0F0"/>
+                </a:solidFill>
+              </a:rPr>
+              <a:t>Reflexionen</a:t>
+            </a:r>
+            <a:r>
+              <a:rPr lang="en-US" dirty="0" smtClean="0">
+                <a:solidFill>
+                  <a:srgbClr val="F0F0F0"/>
+                </a:solidFill>
+              </a:rPr>
+              <a:t> am </a:t>
+            </a:r>
+            <a:r>
+              <a:rPr lang="en-US" dirty="0" err="1" smtClean="0">
+                <a:solidFill>
+                  <a:srgbClr val="F0F0F0"/>
+                </a:solidFill>
+              </a:rPr>
+              <a:t>Boden</a:t>
+            </a:r>
+            <a:endParaRPr lang="en-US" dirty="0">
+              <a:solidFill>
+                <a:srgbClr val="F0F0F0"/>
+              </a:solidFill>
+            </a:endParaRPr>
+          </a:p>
+          <a:p>
+            <a:pPr lvl="1"/>
+            <a:r>
+              <a:rPr lang="en-US" dirty="0" err="1" smtClean="0">
+                <a:solidFill>
+                  <a:srgbClr val="F0F0F0"/>
+                </a:solidFill>
+              </a:rPr>
+              <a:t>Frontale</a:t>
+            </a:r>
+            <a:r>
+              <a:rPr lang="en-US" dirty="0" smtClean="0">
+                <a:solidFill>
+                  <a:srgbClr val="F0F0F0"/>
+                </a:solidFill>
+              </a:rPr>
+              <a:t> </a:t>
+            </a:r>
+            <a:r>
+              <a:rPr lang="en-US" dirty="0" err="1" smtClean="0">
+                <a:solidFill>
+                  <a:srgbClr val="F0F0F0"/>
+                </a:solidFill>
+              </a:rPr>
+              <a:t>Objekte</a:t>
+            </a:r>
+            <a:endParaRPr lang="en-US" dirty="0">
+              <a:solidFill>
+                <a:srgbClr val="F0F0F0"/>
+              </a:solidFill>
+            </a:endParaRPr>
+          </a:p>
+          <a:p>
+            <a:pPr lvl="1"/>
+            <a:r>
+              <a:rPr lang="en-US" dirty="0" err="1" smtClean="0">
+                <a:solidFill>
+                  <a:srgbClr val="F0F0F0"/>
+                </a:solidFill>
+              </a:rPr>
+              <a:t>Spontane</a:t>
+            </a:r>
+            <a:r>
+              <a:rPr lang="en-US" dirty="0" smtClean="0">
+                <a:solidFill>
+                  <a:srgbClr val="F0F0F0"/>
+                </a:solidFill>
+              </a:rPr>
+              <a:t> </a:t>
+            </a:r>
+            <a:r>
+              <a:rPr lang="en-US" dirty="0" err="1" smtClean="0">
+                <a:solidFill>
+                  <a:srgbClr val="F0F0F0"/>
+                </a:solidFill>
+              </a:rPr>
+              <a:t>Ausreißer</a:t>
+            </a:r>
+            <a:endParaRPr lang="en-US" dirty="0" smtClean="0">
+              <a:solidFill>
+                <a:srgbClr val="F0F0F0"/>
+              </a:solidFill>
+            </a:endParaRPr>
+          </a:p>
+          <a:p>
+            <a:pPr lvl="1"/>
+            <a:endParaRPr lang="en-US" dirty="0">
+              <a:solidFill>
+                <a:srgbClr val="F0F0F0"/>
+              </a:solidFill>
+            </a:endParaRPr>
+          </a:p>
+        </p:txBody>
+      </p:sp>
+      <p:sp>
+        <p:nvSpPr>
+          <p:cNvPr id="4" name="Slide Number Placeholder 3"/>
+          <p:cNvSpPr>
+            <a:spLocks noGrp="1"/>
+          </p:cNvSpPr>
+          <p:nvPr>
+            <p:ph type="sldNum" sz="quarter" idx="12"/>
+          </p:nvPr>
+        </p:nvSpPr>
+        <p:spPr/>
+        <p:txBody>
+          <a:bodyPr/>
+          <a:lstStyle/>
+          <a:p>
+            <a:fld id="{E81C4A6D-0315-4A09-8D5A-3A65F767D07B}" type="slidenum">
+              <a:rPr lang="de-DE" smtClean="0"/>
+              <a:t>18</a:t>
+            </a:fld>
+            <a:endParaRPr lang="de-DE"/>
+          </a:p>
+        </p:txBody>
+      </p:sp>
+    </p:spTree>
+    <p:extLst>
+      <p:ext uri="{BB962C8B-B14F-4D97-AF65-F5344CB8AC3E}">
+        <p14:creationId xmlns:p14="http://schemas.microsoft.com/office/powerpoint/2010/main" val="27762390"/>
+      </p:ext>
+    </p:extLst>
+  </p:cSld>
+  <p:clrMapOvr>
+    <a:masterClrMapping/>
+  </p:clrMapOvr>
+</p:sld>
+</file>
+
+<file path=ppt/slides/slide19.xml><?xml version="1.0" encoding="utf-8"?>
+<p:sld xmlns:a="http://schemas.openxmlformats.org/drawingml/2006/main" xmlns:r="http://schemas.openxmlformats.org/officeDocument/2006/relationships" xmlns:p="http://schemas.openxmlformats.org/presentationml/2006/main">
+  <p:cSld>
+    <p:spTree>
+      <p:nvGrpSpPr>
+        <p:cNvPr id="1" name=""/>
+        <p:cNvGrpSpPr/>
+        <p:nvPr/>
+      </p:nvGrpSpPr>
+      <p:grpSpPr>
+        <a:xfrm>
+          <a:off x="0" y="0"/>
+          <a:ext cx="0" cy="0"/>
+          <a:chOff x="0" y="0"/>
+          <a:chExt cx="0" cy="0"/>
+        </a:xfrm>
+      </p:grpSpPr>
+      <p:sp>
+        <p:nvSpPr>
           <p:cNvPr id="2" name="Titel 1"/>
           <p:cNvSpPr>
             <a:spLocks noGrp="1"/>
@@ -8409,232 +8621,6 @@
       <p:sp>
         <p:nvSpPr>
           <p:cNvPr id="7" name="Foliennummernplatzhalter 6"/>
-          <p:cNvSpPr>
-            <a:spLocks noGrp="1"/>
-          </p:cNvSpPr>
-          <p:nvPr>
-            <p:ph type="sldNum" sz="quarter" idx="12"/>
-          </p:nvPr>
-        </p:nvSpPr>
-        <p:spPr/>
-        <p:txBody>
-          <a:bodyPr/>
-          <a:lstStyle/>
-          <a:p>
-            <a:fld id="{E81C4A6D-0315-4A09-8D5A-3A65F767D07B}" type="slidenum">
-              <a:rPr lang="de-DE" smtClean="0"/>
-              <a:t>18</a:t>
-            </a:fld>
-            <a:endParaRPr lang="de-DE"/>
-          </a:p>
-        </p:txBody>
-      </p:sp>
-    </p:spTree>
-  </p:cSld>
-  <p:clrMapOvr>
-    <a:masterClrMapping/>
-  </p:clrMapOvr>
-  <p:timing>
-    <p:tnLst>
-      <p:par>
-        <p:cTn xmlns:p14="http://schemas.microsoft.com/office/powerpoint/2010/main" id="1" dur="indefinite" restart="never" nodeType="tmRoot"/>
-      </p:par>
-    </p:tnLst>
-  </p:timing>
-</p:sld>
-</file>
-
-<file path=ppt/slides/slide19.xml><?xml version="1.0" encoding="utf-8"?>
-<p:sld xmlns:a="http://schemas.openxmlformats.org/drawingml/2006/main" xmlns:r="http://schemas.openxmlformats.org/officeDocument/2006/relationships" xmlns:p="http://schemas.openxmlformats.org/presentationml/2006/main">
-  <p:cSld>
-    <p:spTree>
-      <p:nvGrpSpPr>
-        <p:cNvPr id="1" name=""/>
-        <p:cNvGrpSpPr/>
-        <p:nvPr/>
-      </p:nvGrpSpPr>
-      <p:grpSpPr>
-        <a:xfrm>
-          <a:off x="0" y="0"/>
-          <a:ext cx="0" cy="0"/>
-          <a:chOff x="0" y="0"/>
-          <a:chExt cx="0" cy="0"/>
-        </a:xfrm>
-      </p:grpSpPr>
-      <p:sp>
-        <p:nvSpPr>
-          <p:cNvPr id="2" name="Titel 1"/>
-          <p:cNvSpPr>
-            <a:spLocks noGrp="1"/>
-          </p:cNvSpPr>
-          <p:nvPr>
-            <p:ph type="title"/>
-          </p:nvPr>
-        </p:nvSpPr>
-        <p:spPr/>
-        <p:txBody>
-          <a:bodyPr/>
-          <a:lstStyle/>
-          <a:p>
-            <a:r>
-              <a:rPr lang="de-DE" dirty="0" smtClean="0"/>
-              <a:t>Aufgetretene Probleme</a:t>
-            </a:r>
-            <a:endParaRPr lang="de-DE" dirty="0"/>
-          </a:p>
-        </p:txBody>
-      </p:sp>
-      <p:sp>
-        <p:nvSpPr>
-          <p:cNvPr id="3" name="Inhaltsplatzhalter 2"/>
-          <p:cNvSpPr>
-            <a:spLocks noGrp="1"/>
-          </p:cNvSpPr>
-          <p:nvPr>
-            <p:ph idx="1"/>
-          </p:nvPr>
-        </p:nvSpPr>
-        <p:spPr/>
-        <p:txBody>
-          <a:bodyPr>
-            <a:normAutofit fontScale="92500" lnSpcReduction="20000"/>
-          </a:bodyPr>
-          <a:lstStyle/>
-          <a:p>
-            <a:r>
-              <a:rPr lang="de-DE" dirty="0" smtClean="0">
-                <a:solidFill>
-                  <a:schemeClr val="accent2">
-                    <a:lumMod val="20000"/>
-                    <a:lumOff val="80000"/>
-                  </a:schemeClr>
-                </a:solidFill>
-              </a:rPr>
-              <a:t>ATmega168 reagierte nicht auf Befehle des Pis</a:t>
-            </a:r>
-          </a:p>
-          <a:p>
-            <a:endParaRPr lang="de-DE" dirty="0" smtClean="0">
-              <a:solidFill>
-                <a:schemeClr val="accent2">
-                  <a:lumMod val="20000"/>
-                  <a:lumOff val="80000"/>
-                </a:schemeClr>
-              </a:solidFill>
-            </a:endParaRPr>
-          </a:p>
-          <a:p>
-            <a:r>
-              <a:rPr lang="de-DE" dirty="0" smtClean="0">
-                <a:solidFill>
-                  <a:schemeClr val="accent2">
-                    <a:lumMod val="20000"/>
-                    <a:lumOff val="80000"/>
-                  </a:schemeClr>
-                </a:solidFill>
-              </a:rPr>
-              <a:t>Kompass gab unzuverlässige Daten aus</a:t>
-            </a:r>
-          </a:p>
-          <a:p>
-            <a:pPr lvl="1">
-              <a:buFont typeface="Wingdings"/>
-              <a:buChar char="à"/>
-            </a:pPr>
-            <a:r>
-              <a:rPr lang="de-DE" dirty="0" smtClean="0">
-                <a:solidFill>
-                  <a:schemeClr val="accent2">
-                    <a:lumMod val="20000"/>
-                    <a:lumOff val="80000"/>
-                  </a:schemeClr>
-                </a:solidFill>
-                <a:sym typeface="Wingdings" pitchFamily="2" charset="2"/>
-              </a:rPr>
-              <a:t>GPS-Modul auf Stange befestigt</a:t>
-            </a:r>
-          </a:p>
-          <a:p>
-            <a:pPr lvl="1">
-              <a:buFont typeface="Wingdings"/>
-              <a:buChar char="à"/>
-            </a:pPr>
-            <a:endParaRPr lang="de-DE" dirty="0" smtClean="0">
-              <a:solidFill>
-                <a:schemeClr val="accent2">
-                  <a:lumMod val="20000"/>
-                  <a:lumOff val="80000"/>
-                </a:schemeClr>
-              </a:solidFill>
-              <a:sym typeface="Wingdings" pitchFamily="2" charset="2"/>
-            </a:endParaRPr>
-          </a:p>
-          <a:p>
-            <a:r>
-              <a:rPr lang="de-DE" dirty="0" smtClean="0">
-                <a:solidFill>
-                  <a:schemeClr val="accent2">
-                    <a:lumMod val="20000"/>
-                    <a:lumOff val="80000"/>
-                  </a:schemeClr>
-                </a:solidFill>
-                <a:sym typeface="Wingdings" pitchFamily="2" charset="2"/>
-              </a:rPr>
-              <a:t>Ultraschallsensoren sahen Boden als Hindernis</a:t>
-            </a:r>
-          </a:p>
-          <a:p>
-            <a:pPr lvl="1">
-              <a:buFont typeface="Wingdings"/>
-              <a:buChar char="à"/>
-            </a:pPr>
-            <a:r>
-              <a:rPr lang="de-DE" dirty="0" smtClean="0">
-                <a:solidFill>
-                  <a:schemeClr val="accent2">
-                    <a:lumMod val="20000"/>
-                    <a:lumOff val="80000"/>
-                  </a:schemeClr>
-                </a:solidFill>
-                <a:sym typeface="Wingdings" pitchFamily="2" charset="2"/>
-              </a:rPr>
-              <a:t>mit Podest erhöht &amp; leicht nach oben geneigt</a:t>
-            </a:r>
-          </a:p>
-          <a:p>
-            <a:pPr lvl="1">
-              <a:buFont typeface="Wingdings"/>
-              <a:buChar char="à"/>
-            </a:pPr>
-            <a:endParaRPr lang="de-DE" dirty="0" smtClean="0">
-              <a:solidFill>
-                <a:schemeClr val="accent2">
-                  <a:lumMod val="20000"/>
-                  <a:lumOff val="80000"/>
-                </a:schemeClr>
-              </a:solidFill>
-              <a:sym typeface="Wingdings" pitchFamily="2" charset="2"/>
-            </a:endParaRPr>
-          </a:p>
-          <a:p>
-            <a:r>
-              <a:rPr lang="de-DE" dirty="0" smtClean="0">
-                <a:solidFill>
-                  <a:schemeClr val="accent2">
-                    <a:lumMod val="20000"/>
-                    <a:lumOff val="80000"/>
-                  </a:schemeClr>
-                </a:solidFill>
-                <a:sym typeface="Wingdings" pitchFamily="2" charset="2"/>
-              </a:rPr>
-              <a:t>Zusammenspiel von Navigationsfunktion und Hinderniserkennung brachte schlechte Ergebnisse</a:t>
-            </a:r>
-          </a:p>
-        </p:txBody>
-      </p:sp>
-      <p:sp>
-        <p:nvSpPr>
-          <p:cNvPr id="4" name="Foliennummernplatzhalter 3"/>
           <p:cNvSpPr>
             <a:spLocks noGrp="1"/>
           </p:cNvSpPr>
@@ -8938,7 +8924,7 @@
           <a:p>
             <a:r>
               <a:rPr lang="de-DE" dirty="0" smtClean="0"/>
-              <a:t>Ausblick</a:t>
+              <a:t>Aufgetretene Probleme</a:t>
             </a:r>
             <a:endParaRPr lang="de-DE" dirty="0"/>
           </a:p>
@@ -8956,11 +8942,68 @@
         </p:nvSpPr>
         <p:spPr/>
         <p:txBody>
-          <a:bodyPr/>
+          <a:bodyPr>
+            <a:normAutofit fontScale="92500" lnSpcReduction="20000"/>
+          </a:bodyPr>
           <a:lstStyle/>
           <a:p>
-            <a:pPr>
-              <a:buNone/>
+            <a:r>
+              <a:rPr lang="de-DE" dirty="0" smtClean="0">
+                <a:solidFill>
+                  <a:schemeClr val="accent2">
+                    <a:lumMod val="20000"/>
+                    <a:lumOff val="80000"/>
+                  </a:schemeClr>
+                </a:solidFill>
+              </a:rPr>
+              <a:t>ATmega168 reagierte nicht auf Befehle des Pis</a:t>
+            </a:r>
+          </a:p>
+          <a:p>
+            <a:endParaRPr lang="de-DE" dirty="0" smtClean="0">
+              <a:solidFill>
+                <a:schemeClr val="accent2">
+                  <a:lumMod val="20000"/>
+                  <a:lumOff val="80000"/>
+                </a:schemeClr>
+              </a:solidFill>
+            </a:endParaRPr>
+          </a:p>
+          <a:p>
+            <a:r>
+              <a:rPr lang="de-DE" dirty="0" smtClean="0">
+                <a:solidFill>
+                  <a:schemeClr val="accent2">
+                    <a:lumMod val="20000"/>
+                    <a:lumOff val="80000"/>
+                  </a:schemeClr>
+                </a:solidFill>
+              </a:rPr>
+              <a:t>Kompass gab unzuverlässige Daten aus</a:t>
+            </a:r>
+          </a:p>
+          <a:p>
+            <a:pPr lvl="1">
+              <a:buFont typeface="Wingdings"/>
+              <a:buChar char="à"/>
+            </a:pPr>
+            <a:r>
+              <a:rPr lang="de-DE" dirty="0" smtClean="0">
+                <a:solidFill>
+                  <a:schemeClr val="accent2">
+                    <a:lumMod val="20000"/>
+                    <a:lumOff val="80000"/>
+                  </a:schemeClr>
+                </a:solidFill>
+                <a:sym typeface="Wingdings" pitchFamily="2" charset="2"/>
+              </a:rPr>
+              <a:t>GPS-Modul auf Stange befestigt</a:t>
+            </a:r>
+          </a:p>
+          <a:p>
+            <a:pPr lvl="1">
+              <a:buFont typeface="Wingdings"/>
+              <a:buChar char="à"/>
             </a:pPr>
             <a:endParaRPr lang="de-DE" dirty="0" smtClean="0">
               <a:solidFill>
@@ -8969,6 +9012,7 @@
                   <a:lumOff val="80000"/>
                 </a:schemeClr>
               </a:solidFill>
+              <a:sym typeface="Wingdings" pitchFamily="2" charset="2"/>
             </a:endParaRPr>
           </a:p>
           <a:p>
@@ -8980,12 +9024,16 @@
                     <a:lumOff val="80000"/>
                   </a:schemeClr>
                 </a:solidFill>
-              </a:rPr>
-              <a:t>Erweiterung des Projekts durch:</a:t>
-            </a:r>
-          </a:p>
-          <a:p>
-            <a:pPr lvl="1"/>
+                <a:sym typeface="Wingdings" pitchFamily="2" charset="2"/>
+              </a:rPr>
+              <a:t>Ultraschallsensoren sahen Boden als Hindernis</a:t>
+            </a:r>
+          </a:p>
+          <a:p>
+            <a:pPr lvl="1">
+              <a:buFont typeface="Wingdings"/>
+              <a:buChar char="à"/>
+            </a:pPr>
             <a:r>
               <a:rPr lang="de-DE" dirty="0" smtClean="0">
                 <a:solidFill>
@@ -8994,45 +9042,39 @@
                     <a:lumOff val="80000"/>
                   </a:schemeClr>
                 </a:solidFill>
-              </a:rPr>
-              <a:t>Hinderniserkennung über Kamera</a:t>
-            </a:r>
-          </a:p>
-          <a:p>
-            <a:pPr lvl="1"/>
-            <a:r>
-              <a:rPr lang="de-DE" dirty="0" smtClean="0">
-                <a:solidFill>
-                  <a:schemeClr val="accent2">
-                    <a:lumMod val="20000"/>
-                    <a:lumOff val="80000"/>
-                  </a:schemeClr>
-                </a:solidFill>
-              </a:rPr>
-              <a:t>Routenplanung</a:t>
-            </a:r>
-          </a:p>
-          <a:p>
-            <a:pPr lvl="1"/>
-            <a:r>
-              <a:rPr lang="de-DE" dirty="0" smtClean="0">
-                <a:solidFill>
-                  <a:schemeClr val="accent2">
-                    <a:lumMod val="20000"/>
-                    <a:lumOff val="80000"/>
-                  </a:schemeClr>
-                </a:solidFill>
-              </a:rPr>
-              <a:t>Geschwindigkeitsmodulation</a:t>
-            </a:r>
-            <a:endParaRPr lang="de-DE" dirty="0">
+                <a:sym typeface="Wingdings" pitchFamily="2" charset="2"/>
+              </a:rPr>
+              <a:t>mit Podest erhöht &amp; leicht nach oben geneigt</a:t>
+            </a:r>
+          </a:p>
+          <a:p>
+            <a:pPr lvl="1">
+              <a:buFont typeface="Wingdings"/>
+              <a:buChar char="à"/>
+            </a:pPr>
+            <a:endParaRPr lang="de-DE" dirty="0" smtClean="0">
               <a:solidFill>
                 <a:schemeClr val="accent2">
                   <a:lumMod val="20000"/>
                   <a:lumOff val="80000"/>
                 </a:schemeClr>
               </a:solidFill>
+              <a:sym typeface="Wingdings" pitchFamily="2" charset="2"/>
             </a:endParaRPr>
+          </a:p>
+          <a:p>
+            <a:r>
+              <a:rPr lang="de-DE" dirty="0" smtClean="0">
+                <a:solidFill>
+                  <a:schemeClr val="accent2">
+                    <a:lumMod val="20000"/>
+                    <a:lumOff val="80000"/>
+                  </a:schemeClr>
+                </a:solidFill>
+                <a:sym typeface="Wingdings" pitchFamily="2" charset="2"/>
+              </a:rPr>
+              <a:t>Zusammenspiel von Navigationsfunktion und Hinderniserkennung brachte schlechte Ergebnisse</a:t>
+            </a:r>
           </a:p>
         </p:txBody>
       </p:sp>
@@ -9098,6 +9140,176 @@
             <a:spLocks noGrp="1"/>
           </p:cNvSpPr>
           <p:nvPr>
+            <p:ph type="title"/>
+          </p:nvPr>
+        </p:nvSpPr>
+        <p:spPr/>
+        <p:txBody>
+          <a:bodyPr/>
+          <a:lstStyle/>
+          <a:p>
+            <a:r>
+              <a:rPr lang="de-DE" dirty="0" smtClean="0"/>
+              <a:t>Ausblick</a:t>
+            </a:r>
+            <a:endParaRPr lang="de-DE" dirty="0"/>
+          </a:p>
+        </p:txBody>
+      </p:sp>
+      <p:sp>
+        <p:nvSpPr>
+          <p:cNvPr id="3" name="Inhaltsplatzhalter 2"/>
+          <p:cNvSpPr>
+            <a:spLocks noGrp="1"/>
+          </p:cNvSpPr>
+          <p:nvPr>
+            <p:ph idx="1"/>
+          </p:nvPr>
+        </p:nvSpPr>
+        <p:spPr/>
+        <p:txBody>
+          <a:bodyPr/>
+          <a:lstStyle/>
+          <a:p>
+            <a:pPr>
+              <a:buNone/>
+            </a:pPr>
+            <a:endParaRPr lang="de-DE" dirty="0" smtClean="0">
+              <a:solidFill>
+                <a:schemeClr val="accent2">
+                  <a:lumMod val="20000"/>
+                  <a:lumOff val="80000"/>
+                </a:schemeClr>
+              </a:solidFill>
+            </a:endParaRPr>
+          </a:p>
+          <a:p>
+            <a:r>
+              <a:rPr lang="de-DE" dirty="0" smtClean="0">
+                <a:solidFill>
+                  <a:schemeClr val="accent2">
+                    <a:lumMod val="20000"/>
+                    <a:lumOff val="80000"/>
+                  </a:schemeClr>
+                </a:solidFill>
+              </a:rPr>
+              <a:t>Erweiterung des Projekts durch:</a:t>
+            </a:r>
+          </a:p>
+          <a:p>
+            <a:pPr lvl="1"/>
+            <a:r>
+              <a:rPr lang="de-DE" dirty="0" smtClean="0">
+                <a:solidFill>
+                  <a:schemeClr val="accent2">
+                    <a:lumMod val="20000"/>
+                    <a:lumOff val="80000"/>
+                  </a:schemeClr>
+                </a:solidFill>
+              </a:rPr>
+              <a:t>Hinderniserkennung über Kamera</a:t>
+            </a:r>
+          </a:p>
+          <a:p>
+            <a:pPr lvl="1"/>
+            <a:r>
+              <a:rPr lang="de-DE" dirty="0" smtClean="0">
+                <a:solidFill>
+                  <a:schemeClr val="accent2">
+                    <a:lumMod val="20000"/>
+                    <a:lumOff val="80000"/>
+                  </a:schemeClr>
+                </a:solidFill>
+              </a:rPr>
+              <a:t>Routenplanung</a:t>
+            </a:r>
+          </a:p>
+          <a:p>
+            <a:pPr lvl="1"/>
+            <a:r>
+              <a:rPr lang="de-DE" dirty="0" smtClean="0">
+                <a:solidFill>
+                  <a:schemeClr val="accent2">
+                    <a:lumMod val="20000"/>
+                    <a:lumOff val="80000"/>
+                  </a:schemeClr>
+                </a:solidFill>
+              </a:rPr>
+              <a:t>Geschwindigkeitsmodulation</a:t>
+            </a:r>
+            <a:endParaRPr lang="de-DE" dirty="0">
+              <a:solidFill>
+                <a:schemeClr val="accent2">
+                  <a:lumMod val="20000"/>
+                  <a:lumOff val="80000"/>
+                </a:schemeClr>
+              </a:solidFill>
+            </a:endParaRPr>
+          </a:p>
+        </p:txBody>
+      </p:sp>
+      <p:sp>
+        <p:nvSpPr>
+          <p:cNvPr id="4" name="Foliennummernplatzhalter 3"/>
+          <p:cNvSpPr>
+            <a:spLocks noGrp="1"/>
+          </p:cNvSpPr>
+          <p:nvPr>
+            <p:ph type="sldNum" sz="quarter" idx="12"/>
+          </p:nvPr>
+        </p:nvSpPr>
+        <p:spPr/>
+        <p:txBody>
+          <a:bodyPr/>
+          <a:lstStyle/>
+          <a:p>
+            <a:fld id="{E81C4A6D-0315-4A09-8D5A-3A65F767D07B}" type="slidenum">
+              <a:rPr lang="de-DE" smtClean="0"/>
+              <a:t>21</a:t>
+            </a:fld>
+            <a:endParaRPr lang="de-DE"/>
+          </a:p>
+        </p:txBody>
+      </p:sp>
+    </p:spTree>
+  </p:cSld>
+  <p:clrMapOvr>
+    <a:masterClrMapping/>
+  </p:clrMapOvr>
+  <p:timing>
+    <p:tnLst>
+      <p:par>
+        <p:cTn xmlns:p14="http://schemas.microsoft.com/office/powerpoint/2010/main" id="1" dur="indefinite" restart="never" nodeType="tmRoot"/>
+      </p:par>
+    </p:tnLst>
+  </p:timing>
+</p:sld>
+</file>
+
+<file path=ppt/slides/slide22.xml><?xml version="1.0" encoding="utf-8"?>
+<p:sld xmlns:a="http://schemas.openxmlformats.org/drawingml/2006/main" xmlns:r="http://schemas.openxmlformats.org/officeDocument/2006/relationships" xmlns:p="http://schemas.openxmlformats.org/presentationml/2006/main">
+  <p:cSld>
+    <p:spTree>
+      <p:nvGrpSpPr>
+        <p:cNvPr id="1" name=""/>
+        <p:cNvGrpSpPr/>
+        <p:nvPr/>
+      </p:nvGrpSpPr>
+      <p:grpSpPr>
+        <a:xfrm>
+          <a:off x="0" y="0"/>
+          <a:ext cx="0" cy="0"/>
+          <a:chOff x="0" y="0"/>
+          <a:chExt cx="0" cy="0"/>
+        </a:xfrm>
+      </p:grpSpPr>
+      <p:sp>
+        <p:nvSpPr>
+          <p:cNvPr id="2" name="Titel 1"/>
+          <p:cNvSpPr>
+            <a:spLocks noGrp="1"/>
+          </p:cNvSpPr>
+          <p:nvPr>
             <p:ph type="ctrTitle"/>
           </p:nvPr>
         </p:nvSpPr>
@@ -9114,7 +9326,23 @@
             <a:pPr algn="ctr"/>
             <a:r>
               <a:rPr lang="de-DE" dirty="0" smtClean="0"/>
-              <a:t>Vielen Dank für Ihre Aufmerksamkeit!</a:t>
+              <a:t>Vielen Dank für </a:t>
+            </a:r>
+            <a:r>
+              <a:rPr lang="de-DE" dirty="0" smtClean="0"/>
+              <a:t>Eu</a:t>
+            </a:r>
+            <a:r>
+              <a:rPr lang="de-DE" dirty="0" smtClean="0"/>
+              <a:t>re </a:t>
+            </a:r>
+            <a:r>
+              <a:rPr lang="de-DE" dirty="0" smtClean="0"/>
+              <a:t>Aufmerksamkeit</a:t>
+            </a:r>
+            <a:r>
+              <a:rPr lang="de-DE" dirty="0" smtClean="0"/>
+              <a:t>!</a:t>
             </a:r>
             <a:endParaRPr lang="de-DE" dirty="0"/>
           </a:p>
@@ -9137,7 +9365,7 @@
           <a:p>
             <a:fld id="{E81C4A6D-0315-4A09-8D5A-3A65F767D07B}" type="slidenum">
               <a:rPr lang="de-DE" smtClean="0"/>
-              <a:t>21</a:t>
+              <a:t>22</a:t>
             </a:fld>
             <a:endParaRPr lang="de-DE"/>
           </a:p>
